--- a/Laporan Praktikum1_Bela Cantika.pptx
+++ b/Laporan Praktikum1_Bela Cantika.pptx
@@ -1,31 +1,34 @@
 
 <file path=ppt/presentation.xml><?xml version="1.0" encoding="utf-8"?>
-<p:presentation xmlns:a="http://schemas.openxmlformats.org/drawingml/2006/main" xmlns:r="http://schemas.openxmlformats.org/officeDocument/2006/relationships" xmlns:p="http://schemas.openxmlformats.org/presentationml/2006/main" saveSubsetFonts="1" embedTrueTypeFonts="true">
+<p:presentation xmlns:a="http://schemas.openxmlformats.org/drawingml/2006/main" xmlns:r="http://schemas.openxmlformats.org/officeDocument/2006/relationships" xmlns:p="http://schemas.openxmlformats.org/presentationml/2006/main" embedTrueTypeFonts="1" saveSubsetFonts="1">
   <p:sldMasterIdLst>
     <p:sldMasterId id="2147483648" r:id="rId1"/>
   </p:sldMasterIdLst>
   <p:sldIdLst>
-    <p:sldId id="256" r:id="rId6"/>
-    <p:sldId id="257" r:id="rId7"/>
-    <p:sldId id="258" r:id="rId8"/>
-    <p:sldId id="259" r:id="rId9"/>
-    <p:sldId id="260" r:id="rId10"/>
-    <p:sldId id="261" r:id="rId11"/>
+    <p:sldId id="256" r:id="rId2"/>
+    <p:sldId id="257" r:id="rId3"/>
+    <p:sldId id="258" r:id="rId4"/>
+    <p:sldId id="259" r:id="rId5"/>
+    <p:sldId id="260" r:id="rId6"/>
+    <p:sldId id="261" r:id="rId7"/>
   </p:sldIdLst>
   <p:sldSz cx="18288000" cy="10287000"/>
   <p:notesSz cx="6858000" cy="9144000"/>
   <p:embeddedFontLst>
     <p:embeddedFont>
-      <p:font typeface="Canva Sans" charset="1" panose="020B0503030501040103"/>
-      <p:regular r:id="rId12"/>
+      <p:font typeface="Canva Sans" charset="0"/>
+      <p:regular r:id="rId8"/>
     </p:embeddedFont>
     <p:embeddedFont>
-      <p:font typeface="League Spartan" charset="1" panose="00000800000000000000"/>
-      <p:regular r:id="rId13"/>
+      <p:font typeface="League Spartan" charset="0"/>
+      <p:regular r:id="rId9"/>
     </p:embeddedFont>
     <p:embeddedFont>
-      <p:font typeface="Gliker Bold" charset="1" panose="00000800000000000000"/>
-      <p:regular r:id="rId14"/>
+      <p:font typeface="Calibri" pitchFamily="34" charset="0"/>
+      <p:regular r:id="rId10"/>
+      <p:bold r:id="rId11"/>
+      <p:italic r:id="rId12"/>
+      <p:boldItalic r:id="rId13"/>
     </p:embeddedFont>
   </p:embeddedFontLst>
   <p:defaultTextStyle>
@@ -308,7 +311,7 @@
             <a:fld id="{1D8BD707-D9CF-40AE-B4C6-C98DA3205C09}" type="datetimeFigureOut">
               <a:rPr lang="en-US" smtClean="0"/>
               <a:pPr/>
-              <a:t>8/1/2011</a:t>
+              <a:t>2/25/2025</a:t>
             </a:fld>
             <a:endParaRPr lang="en-US"/>
           </a:p>
@@ -475,7 +478,7 @@
             <a:fld id="{1D8BD707-D9CF-40AE-B4C6-C98DA3205C09}" type="datetimeFigureOut">
               <a:rPr lang="en-US" smtClean="0"/>
               <a:pPr/>
-              <a:t>8/1/2011</a:t>
+              <a:t>2/25/2025</a:t>
             </a:fld>
             <a:endParaRPr lang="en-US"/>
           </a:p>
@@ -652,7 +655,7 @@
             <a:fld id="{1D8BD707-D9CF-40AE-B4C6-C98DA3205C09}" type="datetimeFigureOut">
               <a:rPr lang="en-US" smtClean="0"/>
               <a:pPr/>
-              <a:t>8/1/2011</a:t>
+              <a:t>2/25/2025</a:t>
             </a:fld>
             <a:endParaRPr lang="en-US"/>
           </a:p>
@@ -819,7 +822,7 @@
             <a:fld id="{1D8BD707-D9CF-40AE-B4C6-C98DA3205C09}" type="datetimeFigureOut">
               <a:rPr lang="en-US" smtClean="0"/>
               <a:pPr/>
-              <a:t>8/1/2011</a:t>
+              <a:t>2/25/2025</a:t>
             </a:fld>
             <a:endParaRPr lang="en-US"/>
           </a:p>
@@ -1062,7 +1065,7 @@
             <a:fld id="{1D8BD707-D9CF-40AE-B4C6-C98DA3205C09}" type="datetimeFigureOut">
               <a:rPr lang="en-US" smtClean="0"/>
               <a:pPr/>
-              <a:t>8/1/2011</a:t>
+              <a:t>2/25/2025</a:t>
             </a:fld>
             <a:endParaRPr lang="en-US"/>
           </a:p>
@@ -1347,7 +1350,7 @@
             <a:fld id="{1D8BD707-D9CF-40AE-B4C6-C98DA3205C09}" type="datetimeFigureOut">
               <a:rPr lang="en-US" smtClean="0"/>
               <a:pPr/>
-              <a:t>8/1/2011</a:t>
+              <a:t>2/25/2025</a:t>
             </a:fld>
             <a:endParaRPr lang="en-US"/>
           </a:p>
@@ -1766,7 +1769,7 @@
             <a:fld id="{1D8BD707-D9CF-40AE-B4C6-C98DA3205C09}" type="datetimeFigureOut">
               <a:rPr lang="en-US" smtClean="0"/>
               <a:pPr/>
-              <a:t>8/1/2011</a:t>
+              <a:t>2/25/2025</a:t>
             </a:fld>
             <a:endParaRPr lang="en-US"/>
           </a:p>
@@ -1881,7 +1884,7 @@
             <a:fld id="{1D8BD707-D9CF-40AE-B4C6-C98DA3205C09}" type="datetimeFigureOut">
               <a:rPr lang="en-US" smtClean="0"/>
               <a:pPr/>
-              <a:t>8/1/2011</a:t>
+              <a:t>2/25/2025</a:t>
             </a:fld>
             <a:endParaRPr lang="en-US"/>
           </a:p>
@@ -1973,7 +1976,7 @@
             <a:fld id="{1D8BD707-D9CF-40AE-B4C6-C98DA3205C09}" type="datetimeFigureOut">
               <a:rPr lang="en-US" smtClean="0"/>
               <a:pPr/>
-              <a:t>8/1/2011</a:t>
+              <a:t>2/25/2025</a:t>
             </a:fld>
             <a:endParaRPr lang="en-US"/>
           </a:p>
@@ -2247,7 +2250,7 @@
             <a:fld id="{1D8BD707-D9CF-40AE-B4C6-C98DA3205C09}" type="datetimeFigureOut">
               <a:rPr lang="en-US" smtClean="0"/>
               <a:pPr/>
-              <a:t>8/1/2011</a:t>
+              <a:t>2/25/2025</a:t>
             </a:fld>
             <a:endParaRPr lang="en-US"/>
           </a:p>
@@ -2497,7 +2500,7 @@
             <a:fld id="{1D8BD707-D9CF-40AE-B4C6-C98DA3205C09}" type="datetimeFigureOut">
               <a:rPr lang="en-US" smtClean="0"/>
               <a:pPr/>
-              <a:t>8/1/2011</a:t>
+              <a:t>2/25/2025</a:t>
             </a:fld>
             <a:endParaRPr lang="en-US"/>
           </a:p>
@@ -2707,7 +2710,7 @@
             <a:fld id="{1D8BD707-D9CF-40AE-B4C6-C98DA3205C09}" type="datetimeFigureOut">
               <a:rPr lang="en-US" smtClean="0"/>
               <a:pPr/>
-              <a:t>8/1/2011</a:t>
+              <a:t>2/25/2025</a:t>
             </a:fld>
             <a:endParaRPr lang="en-US"/>
           </a:p>
@@ -3062,7 +3065,7 @@
 </file>
 
 <file path=ppt/slides/slide1.xml><?xml version="1.0" encoding="utf-8"?>
-<p:sld xmlns:p="http://schemas.openxmlformats.org/presentationml/2006/main" xmlns:a="http://schemas.openxmlformats.org/drawingml/2006/main" xmlns:r="http://schemas.openxmlformats.org/officeDocument/2006/relationships">
+<p:sld xmlns:a="http://schemas.openxmlformats.org/drawingml/2006/main" xmlns:r="http://schemas.openxmlformats.org/officeDocument/2006/relationships" xmlns:p="http://schemas.openxmlformats.org/presentationml/2006/main">
   <p:cSld>
     <p:spTree>
       <p:nvGrpSpPr>
@@ -3080,12 +3083,12 @@
       </p:grpSpPr>
       <p:grpSp>
         <p:nvGrpSpPr>
-          <p:cNvPr name="Group 2" id="2"/>
+          <p:cNvPr id="2" name="Group 2"/>
           <p:cNvGrpSpPr/>
           <p:nvPr/>
         </p:nvGrpSpPr>
         <p:grpSpPr>
-          <a:xfrm rot="0">
+          <a:xfrm>
             <a:off x="0" y="0"/>
             <a:ext cx="18288000" cy="10287000"/>
             <a:chOff x="0" y="0"/>
@@ -3094,12 +3097,12 @@
         </p:grpSpPr>
         <p:sp>
           <p:nvSpPr>
-            <p:cNvPr name="Freeform 3" id="3"/>
+            <p:cNvPr id="3" name="Freeform 3"/>
             <p:cNvSpPr/>
             <p:nvPr/>
           </p:nvSpPr>
           <p:spPr>
-            <a:xfrm flipH="false" flipV="false" rot="0">
+            <a:xfrm>
               <a:off x="0" y="0"/>
               <a:ext cx="4816592" cy="2709333"/>
             </a:xfrm>
@@ -3108,9 +3111,9 @@
               <a:gdLst/>
               <a:ahLst/>
               <a:cxnLst/>
-              <a:rect r="r" b="b" t="t" l="l"/>
+              <a:rect l="l" t="t" r="r" b="b"/>
               <a:pathLst>
-                <a:path h="2709333" w="4816592">
+                <a:path w="4816592" h="2709333">
                   <a:moveTo>
                     <a:pt x="0" y="0"/>
                   </a:moveTo>
@@ -3134,8 +3137,8 @@
         </p:sp>
         <p:sp>
           <p:nvSpPr>
-            <p:cNvPr name="TextBox 4" id="4"/>
-            <p:cNvSpPr txBox="true"/>
+            <p:cNvPr id="4" name="TextBox 4"/>
+            <p:cNvSpPr txBox="1"/>
             <p:nvPr/>
           </p:nvSpPr>
           <p:spPr>
@@ -3148,7 +3151,7 @@
             </a:prstGeom>
           </p:spPr>
           <p:txBody>
-            <a:bodyPr anchor="ctr" rtlCol="false" tIns="50800" lIns="50800" bIns="50800" rIns="50800"/>
+            <a:bodyPr lIns="50800" tIns="50800" rIns="50800" bIns="50800" rtlCol="0" anchor="ctr"/>
             <a:lstStyle/>
             <a:p>
               <a:pPr algn="ctr">
@@ -3159,18 +3162,19 @@
                   <a:spcPct val="0"/>
                 </a:spcBef>
               </a:pPr>
+              <a:endParaRPr/>
             </a:p>
           </p:txBody>
         </p:sp>
       </p:grpSp>
       <p:sp>
         <p:nvSpPr>
-          <p:cNvPr name="Freeform 5" id="5"/>
+          <p:cNvPr id="5" name="Freeform 5"/>
           <p:cNvSpPr/>
           <p:nvPr/>
         </p:nvSpPr>
         <p:spPr>
-          <a:xfrm flipH="false" flipV="false" rot="0">
+          <a:xfrm>
             <a:off x="1315120" y="1028700"/>
             <a:ext cx="15657760" cy="9962250"/>
           </a:xfrm>
@@ -3179,9 +3183,9 @@
             <a:gdLst/>
             <a:ahLst/>
             <a:cxnLst/>
-            <a:rect r="r" b="b" t="t" l="l"/>
+            <a:rect l="l" t="t" r="r" b="b"/>
             <a:pathLst>
-              <a:path h="9962250" w="15657760">
+              <a:path w="15657760" h="9962250">
                 <a:moveTo>
                   <a:pt x="0" y="0"/>
                 </a:moveTo>
@@ -3204,19 +3208,19 @@
           <a:blipFill>
             <a:blip r:embed="rId2"/>
             <a:stretch>
-              <a:fillRect l="0" t="0" r="0" b="0"/>
+              <a:fillRect/>
             </a:stretch>
           </a:blipFill>
         </p:spPr>
       </p:sp>
       <p:grpSp>
         <p:nvGrpSpPr>
-          <p:cNvPr name="Group 6" id="6"/>
+          <p:cNvPr id="6" name="Group 6"/>
           <p:cNvGrpSpPr/>
           <p:nvPr/>
         </p:nvGrpSpPr>
         <p:grpSpPr>
-          <a:xfrm rot="0">
+          <a:xfrm>
             <a:off x="3455709" y="4815659"/>
             <a:ext cx="11148357" cy="4311623"/>
             <a:chOff x="0" y="0"/>
@@ -3225,12 +3229,12 @@
         </p:grpSpPr>
         <p:sp>
           <p:nvSpPr>
-            <p:cNvPr name="Freeform 7" id="7"/>
+            <p:cNvPr id="7" name="Freeform 7"/>
             <p:cNvSpPr/>
             <p:nvPr/>
           </p:nvSpPr>
           <p:spPr>
-            <a:xfrm flipH="false" flipV="false" rot="0">
+            <a:xfrm>
               <a:off x="0" y="0"/>
               <a:ext cx="2936193" cy="1135571"/>
             </a:xfrm>
@@ -3239,9 +3243,9 @@
               <a:gdLst/>
               <a:ahLst/>
               <a:cxnLst/>
-              <a:rect r="r" b="b" t="t" l="l"/>
+              <a:rect l="l" t="t" r="r" b="b"/>
               <a:pathLst>
-                <a:path h="1135571" w="2936193">
+                <a:path w="2936193" h="1135571">
                   <a:moveTo>
                     <a:pt x="0" y="0"/>
                   </a:moveTo>
@@ -3265,8 +3269,8 @@
         </p:sp>
         <p:sp>
           <p:nvSpPr>
-            <p:cNvPr name="TextBox 8" id="8"/>
-            <p:cNvSpPr txBox="true"/>
+            <p:cNvPr id="8" name="TextBox 8"/>
+            <p:cNvSpPr txBox="1"/>
             <p:nvPr/>
           </p:nvSpPr>
           <p:spPr>
@@ -3279,7 +3283,7 @@
             </a:prstGeom>
           </p:spPr>
           <p:txBody>
-            <a:bodyPr anchor="ctr" rtlCol="false" tIns="50800" lIns="50800" bIns="50800" rIns="50800"/>
+            <a:bodyPr lIns="50800" tIns="50800" rIns="50800" bIns="50800" rtlCol="0" anchor="ctr"/>
             <a:lstStyle/>
             <a:p>
               <a:pPr algn="ctr">
@@ -3290,18 +3294,19 @@
                   <a:spcPct val="0"/>
                 </a:spcBef>
               </a:pPr>
+              <a:endParaRPr/>
             </a:p>
           </p:txBody>
         </p:sp>
       </p:grpSp>
       <p:grpSp>
         <p:nvGrpSpPr>
-          <p:cNvPr name="Group 9" id="9"/>
+          <p:cNvPr id="9" name="Group 9"/>
           <p:cNvGrpSpPr/>
           <p:nvPr/>
         </p:nvGrpSpPr>
         <p:grpSpPr>
-          <a:xfrm rot="0">
+          <a:xfrm>
             <a:off x="4955963" y="3569840"/>
             <a:ext cx="8376075" cy="1245819"/>
             <a:chOff x="0" y="0"/>
@@ -3310,12 +3315,12 @@
         </p:grpSpPr>
         <p:sp>
           <p:nvSpPr>
-            <p:cNvPr name="Freeform 10" id="10"/>
+            <p:cNvPr id="10" name="Freeform 10"/>
             <p:cNvSpPr/>
             <p:nvPr/>
           </p:nvSpPr>
           <p:spPr>
-            <a:xfrm flipH="false" flipV="false" rot="0">
+            <a:xfrm>
               <a:off x="0" y="0"/>
               <a:ext cx="2206044" cy="328117"/>
             </a:xfrm>
@@ -3324,9 +3329,9 @@
               <a:gdLst/>
               <a:ahLst/>
               <a:cxnLst/>
-              <a:rect r="r" b="b" t="t" l="l"/>
+              <a:rect l="l" t="t" r="r" b="b"/>
               <a:pathLst>
-                <a:path h="328117" w="2206044">
+                <a:path w="2206044" h="328117">
                   <a:moveTo>
                     <a:pt x="0" y="0"/>
                   </a:moveTo>
@@ -3350,8 +3355,8 @@
         </p:sp>
         <p:sp>
           <p:nvSpPr>
-            <p:cNvPr name="TextBox 11" id="11"/>
-            <p:cNvSpPr txBox="true"/>
+            <p:cNvPr id="11" name="TextBox 11"/>
+            <p:cNvSpPr txBox="1"/>
             <p:nvPr/>
           </p:nvSpPr>
           <p:spPr>
@@ -3364,7 +3369,7 @@
             </a:prstGeom>
           </p:spPr>
           <p:txBody>
-            <a:bodyPr anchor="ctr" rtlCol="false" tIns="50800" lIns="50800" bIns="50800" rIns="50800"/>
+            <a:bodyPr lIns="50800" tIns="50800" rIns="50800" bIns="50800" rtlCol="0" anchor="ctr"/>
             <a:lstStyle/>
             <a:p>
               <a:pPr algn="ctr">
@@ -3375,18 +3380,19 @@
                   <a:spcPct val="0"/>
                 </a:spcBef>
               </a:pPr>
+              <a:endParaRPr/>
             </a:p>
           </p:txBody>
         </p:sp>
       </p:grpSp>
       <p:grpSp>
         <p:nvGrpSpPr>
-          <p:cNvPr name="Group 12" id="12"/>
+          <p:cNvPr id="12" name="Group 12"/>
           <p:cNvGrpSpPr/>
           <p:nvPr/>
         </p:nvGrpSpPr>
         <p:grpSpPr>
-          <a:xfrm rot="0">
+          <a:xfrm>
             <a:off x="5500740" y="7436331"/>
             <a:ext cx="7058295" cy="1412261"/>
             <a:chOff x="0" y="0"/>
@@ -3395,12 +3401,12 @@
         </p:grpSpPr>
         <p:sp>
           <p:nvSpPr>
-            <p:cNvPr name="Freeform 13" id="13"/>
+            <p:cNvPr id="13" name="Freeform 13"/>
             <p:cNvSpPr/>
             <p:nvPr/>
           </p:nvSpPr>
           <p:spPr>
-            <a:xfrm flipH="false" flipV="false" rot="0">
+            <a:xfrm>
               <a:off x="0" y="0"/>
               <a:ext cx="1858975" cy="371953"/>
             </a:xfrm>
@@ -3409,9 +3415,9 @@
               <a:gdLst/>
               <a:ahLst/>
               <a:cxnLst/>
-              <a:rect r="r" b="b" t="t" l="l"/>
+              <a:rect l="l" t="t" r="r" b="b"/>
               <a:pathLst>
-                <a:path h="371953" w="1858975">
+                <a:path w="1858975" h="371953">
                   <a:moveTo>
                     <a:pt x="55940" y="0"/>
                   </a:moveTo>
@@ -3463,8 +3469,8 @@
         </p:sp>
         <p:sp>
           <p:nvSpPr>
-            <p:cNvPr name="TextBox 14" id="14"/>
-            <p:cNvSpPr txBox="true"/>
+            <p:cNvPr id="14" name="TextBox 14"/>
+            <p:cNvSpPr txBox="1"/>
             <p:nvPr/>
           </p:nvSpPr>
           <p:spPr>
@@ -3477,7 +3483,7 @@
             </a:prstGeom>
           </p:spPr>
           <p:txBody>
-            <a:bodyPr anchor="ctr" rtlCol="false" tIns="50800" lIns="50800" bIns="50800" rIns="50800"/>
+            <a:bodyPr lIns="50800" tIns="50800" rIns="50800" bIns="50800" rtlCol="0" anchor="ctr"/>
             <a:lstStyle/>
             <a:p>
               <a:pPr algn="ctr">
@@ -3485,18 +3491,19 @@
                   <a:spcPts val="2659"/>
                 </a:lnSpc>
               </a:pPr>
+              <a:endParaRPr/>
             </a:p>
           </p:txBody>
         </p:sp>
       </p:grpSp>
       <p:sp>
         <p:nvSpPr>
-          <p:cNvPr name="TextBox 15" id="15"/>
-          <p:cNvSpPr txBox="true"/>
+          <p:cNvPr id="15" name="TextBox 15"/>
+          <p:cNvSpPr txBox="1"/>
           <p:nvPr/>
         </p:nvSpPr>
         <p:spPr>
-          <a:xfrm rot="0">
+          <a:xfrm>
             <a:off x="7166372" y="3797012"/>
             <a:ext cx="3955256" cy="697973"/>
           </a:xfrm>
@@ -3505,7 +3512,7 @@
           </a:prstGeom>
         </p:spPr>
         <p:txBody>
-          <a:bodyPr anchor="t" rtlCol="false" tIns="0" lIns="0" bIns="0" rIns="0">
+          <a:bodyPr lIns="0" tIns="0" rIns="0" bIns="0" rtlCol="0" anchor="t">
             <a:spAutoFit/>
           </a:bodyPr>
           <a:lstStyle/>
@@ -3532,12 +3539,12 @@
       </p:sp>
       <p:sp>
         <p:nvSpPr>
-          <p:cNvPr name="TextBox 16" id="16"/>
-          <p:cNvSpPr txBox="true"/>
+          <p:cNvPr id="16" name="TextBox 16"/>
+          <p:cNvSpPr txBox="1"/>
           <p:nvPr/>
         </p:nvSpPr>
         <p:spPr>
-          <a:xfrm rot="0">
+          <a:xfrm>
             <a:off x="4193456" y="5089499"/>
             <a:ext cx="9901089" cy="1883032"/>
           </a:xfrm>
@@ -3546,7 +3553,7 @@
           </a:prstGeom>
         </p:spPr>
         <p:txBody>
-          <a:bodyPr anchor="t" rtlCol="false" tIns="0" lIns="0" bIns="0" rIns="0">
+          <a:bodyPr lIns="0" tIns="0" rIns="0" bIns="0" rtlCol="0" anchor="t">
             <a:spAutoFit/>
           </a:bodyPr>
           <a:lstStyle/>
@@ -3557,7 +3564,7 @@
               </a:lnSpc>
             </a:pPr>
             <a:r>
-              <a:rPr lang="en-US" b="true" sz="10989">
+              <a:rPr lang="en-US" sz="10989" b="1">
                 <a:solidFill>
                   <a:srgbClr val="000000"/>
                 </a:solidFill>
@@ -3573,12 +3580,12 @@
       </p:sp>
       <p:sp>
         <p:nvSpPr>
-          <p:cNvPr name="TextBox 17" id="17"/>
-          <p:cNvSpPr txBox="true"/>
+          <p:cNvPr id="17" name="TextBox 17"/>
+          <p:cNvSpPr txBox="1"/>
           <p:nvPr/>
         </p:nvSpPr>
         <p:spPr>
-          <a:xfrm rot="0">
+          <a:xfrm>
             <a:off x="5500740" y="7605577"/>
             <a:ext cx="7058295" cy="923370"/>
           </a:xfrm>
@@ -3587,7 +3594,7 @@
           </a:prstGeom>
         </p:spPr>
         <p:txBody>
-          <a:bodyPr anchor="t" rtlCol="false" tIns="0" lIns="0" bIns="0" rIns="0">
+          <a:bodyPr lIns="0" tIns="0" rIns="0" bIns="0" rtlCol="0" anchor="t">
             <a:spAutoFit/>
           </a:bodyPr>
           <a:lstStyle/>
@@ -3640,13 +3647,14 @@
 </file>
 
 <file path=ppt/slides/slide2.xml><?xml version="1.0" encoding="utf-8"?>
-<p:sld xmlns:p="http://schemas.openxmlformats.org/presentationml/2006/main" xmlns:a="http://schemas.openxmlformats.org/drawingml/2006/main" xmlns:r="http://schemas.openxmlformats.org/officeDocument/2006/relationships">
+<p:sld xmlns:a="http://schemas.openxmlformats.org/drawingml/2006/main" xmlns:r="http://schemas.openxmlformats.org/officeDocument/2006/relationships" xmlns:p="http://schemas.openxmlformats.org/presentationml/2006/main">
   <p:cSld>
     <p:bg>
       <p:bgPr>
         <a:solidFill>
           <a:srgbClr val="FA9002"/>
         </a:solidFill>
+        <a:effectLst/>
       </p:bgPr>
     </p:bg>
     <p:spTree>
@@ -3665,12 +3673,12 @@
       </p:grpSpPr>
       <p:sp>
         <p:nvSpPr>
-          <p:cNvPr name="Freeform 2" id="2"/>
+          <p:cNvPr id="2" name="Freeform 2"/>
           <p:cNvSpPr/>
           <p:nvPr/>
         </p:nvSpPr>
         <p:spPr>
-          <a:xfrm flipH="false" flipV="false" rot="0">
+          <a:xfrm>
             <a:off x="450150" y="4010185"/>
             <a:ext cx="5732529" cy="6050163"/>
           </a:xfrm>
@@ -3679,9 +3687,9 @@
             <a:gdLst/>
             <a:ahLst/>
             <a:cxnLst/>
-            <a:rect r="r" b="b" t="t" l="l"/>
+            <a:rect l="l" t="t" r="r" b="b"/>
             <a:pathLst>
-              <a:path h="6050163" w="5732529">
+              <a:path w="5732529" h="6050163">
                 <a:moveTo>
                   <a:pt x="0" y="0"/>
                 </a:moveTo>
@@ -3704,19 +3712,19 @@
           <a:blipFill>
             <a:blip r:embed="rId2"/>
             <a:stretch>
-              <a:fillRect l="0" t="0" r="0" b="0"/>
+              <a:fillRect/>
             </a:stretch>
           </a:blipFill>
         </p:spPr>
       </p:sp>
       <p:sp>
         <p:nvSpPr>
-          <p:cNvPr name="Freeform 3" id="3"/>
+          <p:cNvPr id="3" name="Freeform 3"/>
           <p:cNvSpPr/>
           <p:nvPr/>
         </p:nvSpPr>
         <p:spPr>
-          <a:xfrm flipH="false" flipV="false" rot="0">
+          <a:xfrm>
             <a:off x="14708189" y="671989"/>
             <a:ext cx="3016894" cy="3338196"/>
           </a:xfrm>
@@ -3725,9 +3733,9 @@
             <a:gdLst/>
             <a:ahLst/>
             <a:cxnLst/>
-            <a:rect r="r" b="b" t="t" l="l"/>
+            <a:rect l="l" t="t" r="r" b="b"/>
             <a:pathLst>
-              <a:path h="3338196" w="3016894">
+              <a:path w="3016894" h="3338196">
                 <a:moveTo>
                   <a:pt x="0" y="0"/>
                 </a:moveTo>
@@ -3751,24 +3759,24 @@
             <a:blip r:embed="rId3">
               <a:extLst>
                 <a:ext uri="{96DAC541-7B7A-43D3-8B79-37D633B846F1}">
-                  <asvg:svgBlip xmlns:asvg="http://schemas.microsoft.com/office/drawing/2016/SVG/main" r:embed="rId4"/>
+                  <asvg:svgBlip xmlns="" xmlns:asvg="http://schemas.microsoft.com/office/drawing/2016/SVG/main" r:embed="rId4"/>
                 </a:ext>
               </a:extLst>
             </a:blip>
             <a:stretch>
-              <a:fillRect l="0" t="0" r="0" b="0"/>
+              <a:fillRect/>
             </a:stretch>
           </a:blipFill>
         </p:spPr>
       </p:sp>
       <p:sp>
         <p:nvSpPr>
-          <p:cNvPr name="TextBox 4" id="4"/>
-          <p:cNvSpPr txBox="true"/>
+          <p:cNvPr id="4" name="TextBox 4"/>
+          <p:cNvSpPr txBox="1"/>
           <p:nvPr/>
         </p:nvSpPr>
         <p:spPr>
-          <a:xfrm rot="0">
+          <a:xfrm>
             <a:off x="4305706" y="1133475"/>
             <a:ext cx="10034600" cy="3245789"/>
           </a:xfrm>
@@ -3777,7 +3785,7 @@
           </a:prstGeom>
         </p:spPr>
         <p:txBody>
-          <a:bodyPr anchor="t" rtlCol="false" tIns="0" lIns="0" bIns="0" rIns="0">
+          <a:bodyPr lIns="0" tIns="0" rIns="0" bIns="0" rtlCol="0" anchor="t">
             <a:spAutoFit/>
           </a:bodyPr>
           <a:lstStyle/>
@@ -3804,12 +3812,12 @@
       </p:sp>
       <p:sp>
         <p:nvSpPr>
-          <p:cNvPr name="TextBox 5" id="5"/>
-          <p:cNvSpPr txBox="true"/>
+          <p:cNvPr id="5" name="TextBox 5"/>
+          <p:cNvSpPr txBox="1"/>
           <p:nvPr/>
         </p:nvSpPr>
         <p:spPr>
-          <a:xfrm rot="0">
+          <a:xfrm>
             <a:off x="6182680" y="4911247"/>
             <a:ext cx="11768380" cy="4181365"/>
           </a:xfrm>
@@ -3818,7 +3826,7 @@
           </a:prstGeom>
         </p:spPr>
         <p:txBody>
-          <a:bodyPr anchor="t" rtlCol="false" tIns="0" lIns="0" bIns="0" rIns="0">
+          <a:bodyPr lIns="0" tIns="0" rIns="0" bIns="0" rtlCol="0" anchor="t">
             <a:spAutoFit/>
           </a:bodyPr>
           <a:lstStyle/>
@@ -3852,13 +3860,14 @@
 </file>
 
 <file path=ppt/slides/slide3.xml><?xml version="1.0" encoding="utf-8"?>
-<p:sld xmlns:p="http://schemas.openxmlformats.org/presentationml/2006/main" xmlns:a="http://schemas.openxmlformats.org/drawingml/2006/main" xmlns:r="http://schemas.openxmlformats.org/officeDocument/2006/relationships">
+<p:sld xmlns:a="http://schemas.openxmlformats.org/drawingml/2006/main" xmlns:r="http://schemas.openxmlformats.org/officeDocument/2006/relationships" xmlns:p="http://schemas.openxmlformats.org/presentationml/2006/main">
   <p:cSld>
     <p:bg>
       <p:bgPr>
         <a:solidFill>
           <a:srgbClr val="FA9002"/>
         </a:solidFill>
+        <a:effectLst/>
       </p:bgPr>
     </p:bg>
     <p:spTree>
@@ -3877,12 +3886,12 @@
       </p:grpSpPr>
       <p:sp>
         <p:nvSpPr>
-          <p:cNvPr name="Freeform 2" id="2"/>
+          <p:cNvPr id="2" name="Freeform 2"/>
           <p:cNvSpPr/>
           <p:nvPr/>
         </p:nvSpPr>
         <p:spPr>
-          <a:xfrm flipH="false" flipV="false" rot="0">
+          <a:xfrm>
             <a:off x="14612969" y="645112"/>
             <a:ext cx="2646331" cy="3086100"/>
           </a:xfrm>
@@ -3891,9 +3900,9 @@
             <a:gdLst/>
             <a:ahLst/>
             <a:cxnLst/>
-            <a:rect r="r" b="b" t="t" l="l"/>
+            <a:rect l="l" t="t" r="r" b="b"/>
             <a:pathLst>
-              <a:path h="3086100" w="2646331">
+              <a:path w="2646331" h="3086100">
                 <a:moveTo>
                   <a:pt x="0" y="0"/>
                 </a:moveTo>
@@ -3917,24 +3926,24 @@
             <a:blip r:embed="rId2">
               <a:extLst>
                 <a:ext uri="{96DAC541-7B7A-43D3-8B79-37D633B846F1}">
-                  <asvg:svgBlip xmlns:asvg="http://schemas.microsoft.com/office/drawing/2016/SVG/main" r:embed="rId3"/>
+                  <asvg:svgBlip xmlns="" xmlns:asvg="http://schemas.microsoft.com/office/drawing/2016/SVG/main" r:embed="rId3"/>
                 </a:ext>
               </a:extLst>
             </a:blip>
             <a:stretch>
-              <a:fillRect l="0" t="0" r="0" b="0"/>
+              <a:fillRect/>
             </a:stretch>
           </a:blipFill>
         </p:spPr>
       </p:sp>
       <p:grpSp>
         <p:nvGrpSpPr>
-          <p:cNvPr name="Group 3" id="3"/>
+          <p:cNvPr id="3" name="Group 3"/>
           <p:cNvGrpSpPr/>
           <p:nvPr/>
         </p:nvGrpSpPr>
         <p:grpSpPr>
-          <a:xfrm rot="0">
+          <a:xfrm>
             <a:off x="0" y="1691261"/>
             <a:ext cx="8486827" cy="1258404"/>
             <a:chOff x="0" y="0"/>
@@ -3943,12 +3952,12 @@
         </p:grpSpPr>
         <p:sp>
           <p:nvSpPr>
-            <p:cNvPr name="Freeform 4" id="4"/>
+            <p:cNvPr id="4" name="Freeform 4"/>
             <p:cNvSpPr/>
             <p:nvPr/>
           </p:nvSpPr>
           <p:spPr>
-            <a:xfrm flipH="false" flipV="false" rot="0">
+            <a:xfrm>
               <a:off x="0" y="0"/>
               <a:ext cx="2235214" cy="331432"/>
             </a:xfrm>
@@ -3957,9 +3966,9 @@
               <a:gdLst/>
               <a:ahLst/>
               <a:cxnLst/>
-              <a:rect r="r" b="b" t="t" l="l"/>
+              <a:rect l="l" t="t" r="r" b="b"/>
               <a:pathLst>
-                <a:path h="331432" w="2235214">
+                <a:path w="2235214" h="331432">
                   <a:moveTo>
                     <a:pt x="0" y="0"/>
                   </a:moveTo>
@@ -3983,8 +3992,8 @@
         </p:sp>
         <p:sp>
           <p:nvSpPr>
-            <p:cNvPr name="TextBox 5" id="5"/>
-            <p:cNvSpPr txBox="true"/>
+            <p:cNvPr id="5" name="TextBox 5"/>
+            <p:cNvSpPr txBox="1"/>
             <p:nvPr/>
           </p:nvSpPr>
           <p:spPr>
@@ -3997,7 +4006,7 @@
             </a:prstGeom>
           </p:spPr>
           <p:txBody>
-            <a:bodyPr anchor="ctr" rtlCol="false" tIns="50800" lIns="50800" bIns="50800" rIns="50800"/>
+            <a:bodyPr lIns="50800" tIns="50800" rIns="50800" bIns="50800" rtlCol="0" anchor="ctr"/>
             <a:lstStyle/>
             <a:p>
               <a:pPr algn="ctr">
@@ -4005,18 +4014,19 @@
                   <a:spcPts val="2659"/>
                 </a:lnSpc>
               </a:pPr>
+              <a:endParaRPr/>
             </a:p>
           </p:txBody>
         </p:sp>
       </p:grpSp>
       <p:sp>
         <p:nvSpPr>
-          <p:cNvPr name="TextBox 6" id="6"/>
-          <p:cNvSpPr txBox="true"/>
+          <p:cNvPr id="6" name="TextBox 6"/>
+          <p:cNvSpPr txBox="1"/>
           <p:nvPr/>
         </p:nvSpPr>
         <p:spPr>
-          <a:xfrm rot="0">
+          <a:xfrm>
             <a:off x="1028700" y="1786511"/>
             <a:ext cx="13925364" cy="1625851"/>
           </a:xfrm>
@@ -4025,7 +4035,7 @@
           </a:prstGeom>
         </p:spPr>
         <p:txBody>
-          <a:bodyPr anchor="t" rtlCol="false" tIns="0" lIns="0" bIns="0" rIns="0">
+          <a:bodyPr lIns="0" tIns="0" rIns="0" bIns="0" rtlCol="0" anchor="t">
             <a:spAutoFit/>
           </a:bodyPr>
           <a:lstStyle/>
@@ -4052,33 +4062,33 @@
       </p:sp>
       <p:sp>
         <p:nvSpPr>
-          <p:cNvPr name="TextBox 7" id="7"/>
-          <p:cNvSpPr txBox="true"/>
+          <p:cNvPr id="7" name="TextBox 7"/>
+          <p:cNvSpPr txBox="1"/>
           <p:nvPr/>
         </p:nvSpPr>
         <p:spPr>
-          <a:xfrm rot="0">
+          <a:xfrm>
             <a:off x="1516238" y="4242471"/>
-            <a:ext cx="16020447" cy="3072792"/>
+            <a:ext cx="16020447" cy="3770263"/>
           </a:xfrm>
           <a:prstGeom prst="rect">
             <a:avLst/>
           </a:prstGeom>
         </p:spPr>
         <p:txBody>
-          <a:bodyPr anchor="t" rtlCol="false" tIns="0" lIns="0" bIns="0" rIns="0">
+          <a:bodyPr lIns="0" tIns="0" rIns="0" bIns="0" rtlCol="0" anchor="t">
             <a:spAutoFit/>
           </a:bodyPr>
           <a:lstStyle/>
           <a:p>
-            <a:pPr algn="l" marL="760821" indent="-380410" lvl="1">
+            <a:pPr marL="760821" lvl="1" indent="-380410" algn="l">
               <a:lnSpc>
                 <a:spcPts val="4933"/>
               </a:lnSpc>
-              <a:buAutoNum type="arabicPeriod" startAt="1"/>
+              <a:buAutoNum type="arabicPeriod"/>
             </a:pPr>
             <a:r>
-              <a:rPr lang="en-US" sz="3523">
+              <a:rPr lang="en-US" sz="3523" dirty="0" err="1">
                 <a:solidFill>
                   <a:srgbClr val="FFFFFF"/>
                 </a:solidFill>
@@ -4087,18 +4097,10 @@
                 <a:cs typeface="Canva Sans"/>
                 <a:sym typeface="Canva Sans"/>
               </a:rPr>
-              <a:t>Halaman Beranda – Menampilkan daftar ringkasan PTN di Sumatera.</a:t>
-            </a:r>
-          </a:p>
-          <a:p>
-            <a:pPr algn="l" marL="760821" indent="-380410" lvl="1">
-              <a:lnSpc>
-                <a:spcPts val="4933"/>
-              </a:lnSpc>
-              <a:buAutoNum type="arabicPeriod" startAt="1"/>
-            </a:pPr>
-            <a:r>
-              <a:rPr lang="en-US" sz="3523">
+              <a:t>Halaman</a:t>
+            </a:r>
+            <a:r>
+              <a:rPr lang="en-US" sz="3523" dirty="0">
                 <a:solidFill>
                   <a:srgbClr val="FFFFFF"/>
                 </a:solidFill>
@@ -4107,18 +4109,10 @@
                 <a:cs typeface="Canva Sans"/>
                 <a:sym typeface="Canva Sans"/>
               </a:rPr>
-              <a:t>Halaman Profil PTN – Menampilkan detail universitas dan akreditasi program studi.</a:t>
-            </a:r>
-          </a:p>
-          <a:p>
-            <a:pPr algn="l" marL="760821" indent="-380410" lvl="1">
-              <a:lnSpc>
-                <a:spcPts val="4933"/>
-              </a:lnSpc>
-              <a:buAutoNum type="arabicPeriod" startAt="1"/>
-            </a:pPr>
-            <a:r>
-              <a:rPr lang="en-US" sz="3523">
+              <a:t> </a:t>
+            </a:r>
+            <a:r>
+              <a:rPr lang="en-US" sz="3523" dirty="0" err="1">
                 <a:solidFill>
                   <a:srgbClr val="FFFFFF"/>
                 </a:solidFill>
@@ -4127,7 +4121,488 @@
                 <a:cs typeface="Canva Sans"/>
                 <a:sym typeface="Canva Sans"/>
               </a:rPr>
-              <a:t>Halaman Akreditasi PTN – Menampilkan daftar PTN dengan informasi akreditasinya.</a:t>
+              <a:t>Beranda</a:t>
+            </a:r>
+            <a:r>
+              <a:rPr lang="en-US" sz="3523" dirty="0">
+                <a:solidFill>
+                  <a:srgbClr val="FFFFFF"/>
+                </a:solidFill>
+                <a:latin typeface="Canva Sans"/>
+                <a:ea typeface="Canva Sans"/>
+                <a:cs typeface="Canva Sans"/>
+                <a:sym typeface="Canva Sans"/>
+              </a:rPr>
+              <a:t> – </a:t>
+            </a:r>
+            <a:r>
+              <a:rPr lang="en-US" sz="3523" dirty="0" err="1">
+                <a:solidFill>
+                  <a:srgbClr val="FFFFFF"/>
+                </a:solidFill>
+                <a:latin typeface="Canva Sans"/>
+                <a:ea typeface="Canva Sans"/>
+                <a:cs typeface="Canva Sans"/>
+                <a:sym typeface="Canva Sans"/>
+              </a:rPr>
+              <a:t>Menampilkan</a:t>
+            </a:r>
+            <a:r>
+              <a:rPr lang="en-US" sz="3523" dirty="0">
+                <a:solidFill>
+                  <a:srgbClr val="FFFFFF"/>
+                </a:solidFill>
+                <a:latin typeface="Canva Sans"/>
+                <a:ea typeface="Canva Sans"/>
+                <a:cs typeface="Canva Sans"/>
+                <a:sym typeface="Canva Sans"/>
+              </a:rPr>
+              <a:t> </a:t>
+            </a:r>
+            <a:r>
+              <a:rPr lang="en-US" sz="3523" dirty="0" err="1">
+                <a:solidFill>
+                  <a:srgbClr val="FFFFFF"/>
+                </a:solidFill>
+                <a:latin typeface="Canva Sans"/>
+                <a:ea typeface="Canva Sans"/>
+                <a:cs typeface="Canva Sans"/>
+                <a:sym typeface="Canva Sans"/>
+              </a:rPr>
+              <a:t>daftar</a:t>
+            </a:r>
+            <a:r>
+              <a:rPr lang="en-US" sz="3523" dirty="0">
+                <a:solidFill>
+                  <a:srgbClr val="FFFFFF"/>
+                </a:solidFill>
+                <a:latin typeface="Canva Sans"/>
+                <a:ea typeface="Canva Sans"/>
+                <a:cs typeface="Canva Sans"/>
+                <a:sym typeface="Canva Sans"/>
+              </a:rPr>
+              <a:t> </a:t>
+            </a:r>
+            <a:r>
+              <a:rPr lang="en-US" sz="3523" dirty="0" smtClean="0">
+                <a:solidFill>
+                  <a:srgbClr val="FFFFFF"/>
+                </a:solidFill>
+                <a:latin typeface="Canva Sans"/>
+                <a:ea typeface="Canva Sans"/>
+                <a:cs typeface="Canva Sans"/>
+                <a:sym typeface="Canva Sans"/>
+              </a:rPr>
+              <a:t>PTN </a:t>
+            </a:r>
+            <a:r>
+              <a:rPr lang="en-US" sz="3523" dirty="0">
+                <a:solidFill>
+                  <a:srgbClr val="FFFFFF"/>
+                </a:solidFill>
+                <a:latin typeface="Canva Sans"/>
+                <a:ea typeface="Canva Sans"/>
+                <a:cs typeface="Canva Sans"/>
+                <a:sym typeface="Canva Sans"/>
+              </a:rPr>
+              <a:t>di </a:t>
+            </a:r>
+            <a:r>
+              <a:rPr lang="en-US" sz="3523" dirty="0" smtClean="0">
+                <a:solidFill>
+                  <a:srgbClr val="FFFFFF"/>
+                </a:solidFill>
+                <a:latin typeface="Canva Sans"/>
+                <a:ea typeface="Canva Sans"/>
+                <a:cs typeface="Canva Sans"/>
+                <a:sym typeface="Canva Sans"/>
+              </a:rPr>
+              <a:t>Sumatera</a:t>
+            </a:r>
+            <a:r>
+              <a:rPr lang="id-ID" sz="3523" smtClean="0">
+                <a:solidFill>
+                  <a:srgbClr val="FFFFFF"/>
+                </a:solidFill>
+                <a:latin typeface="Canva Sans"/>
+                <a:ea typeface="Canva Sans"/>
+                <a:cs typeface="Canva Sans"/>
+                <a:sym typeface="Canva Sans"/>
+              </a:rPr>
+              <a:t> dan logo universitas</a:t>
+            </a:r>
+            <a:r>
+              <a:rPr lang="en-US" sz="3523" smtClean="0">
+                <a:solidFill>
+                  <a:srgbClr val="FFFFFF"/>
+                </a:solidFill>
+                <a:latin typeface="Canva Sans"/>
+                <a:ea typeface="Canva Sans"/>
+                <a:cs typeface="Canva Sans"/>
+                <a:sym typeface="Canva Sans"/>
+              </a:rPr>
+              <a:t>.</a:t>
+            </a:r>
+            <a:endParaRPr lang="en-US" sz="3523" dirty="0">
+              <a:solidFill>
+                <a:srgbClr val="FFFFFF"/>
+              </a:solidFill>
+              <a:latin typeface="Canva Sans"/>
+              <a:ea typeface="Canva Sans"/>
+              <a:cs typeface="Canva Sans"/>
+              <a:sym typeface="Canva Sans"/>
+            </a:endParaRPr>
+          </a:p>
+          <a:p>
+            <a:pPr marL="760821" lvl="1" indent="-380410" algn="l">
+              <a:lnSpc>
+                <a:spcPts val="4933"/>
+              </a:lnSpc>
+              <a:buAutoNum type="arabicPeriod"/>
+            </a:pPr>
+            <a:r>
+              <a:rPr lang="en-US" sz="3523" dirty="0" err="1">
+                <a:solidFill>
+                  <a:srgbClr val="FFFFFF"/>
+                </a:solidFill>
+                <a:latin typeface="Canva Sans"/>
+                <a:ea typeface="Canva Sans"/>
+                <a:cs typeface="Canva Sans"/>
+                <a:sym typeface="Canva Sans"/>
+              </a:rPr>
+              <a:t>Halaman</a:t>
+            </a:r>
+            <a:r>
+              <a:rPr lang="en-US" sz="3523" dirty="0">
+                <a:solidFill>
+                  <a:srgbClr val="FFFFFF"/>
+                </a:solidFill>
+                <a:latin typeface="Canva Sans"/>
+                <a:ea typeface="Canva Sans"/>
+                <a:cs typeface="Canva Sans"/>
+                <a:sym typeface="Canva Sans"/>
+              </a:rPr>
+              <a:t> </a:t>
+            </a:r>
+            <a:r>
+              <a:rPr lang="en-US" sz="3523" dirty="0" err="1">
+                <a:solidFill>
+                  <a:srgbClr val="FFFFFF"/>
+                </a:solidFill>
+                <a:latin typeface="Canva Sans"/>
+                <a:ea typeface="Canva Sans"/>
+                <a:cs typeface="Canva Sans"/>
+                <a:sym typeface="Canva Sans"/>
+              </a:rPr>
+              <a:t>Profil</a:t>
+            </a:r>
+            <a:r>
+              <a:rPr lang="en-US" sz="3523" dirty="0">
+                <a:solidFill>
+                  <a:srgbClr val="FFFFFF"/>
+                </a:solidFill>
+                <a:latin typeface="Canva Sans"/>
+                <a:ea typeface="Canva Sans"/>
+                <a:cs typeface="Canva Sans"/>
+                <a:sym typeface="Canva Sans"/>
+              </a:rPr>
+              <a:t> PTN – </a:t>
+            </a:r>
+            <a:r>
+              <a:rPr lang="en-US" sz="3523" dirty="0" err="1">
+                <a:solidFill>
+                  <a:srgbClr val="FFFFFF"/>
+                </a:solidFill>
+                <a:latin typeface="Canva Sans"/>
+                <a:ea typeface="Canva Sans"/>
+                <a:cs typeface="Canva Sans"/>
+                <a:sym typeface="Canva Sans"/>
+              </a:rPr>
+              <a:t>Menampilkan</a:t>
+            </a:r>
+            <a:r>
+              <a:rPr lang="en-US" sz="3523" dirty="0">
+                <a:solidFill>
+                  <a:srgbClr val="FFFFFF"/>
+                </a:solidFill>
+                <a:latin typeface="Canva Sans"/>
+                <a:ea typeface="Canva Sans"/>
+                <a:cs typeface="Canva Sans"/>
+                <a:sym typeface="Canva Sans"/>
+              </a:rPr>
+              <a:t> detail </a:t>
+            </a:r>
+            <a:r>
+              <a:rPr lang="en-US" sz="3523" dirty="0" err="1">
+                <a:solidFill>
+                  <a:srgbClr val="FFFFFF"/>
+                </a:solidFill>
+                <a:latin typeface="Canva Sans"/>
+                <a:ea typeface="Canva Sans"/>
+                <a:cs typeface="Canva Sans"/>
+                <a:sym typeface="Canva Sans"/>
+              </a:rPr>
+              <a:t>universitas</a:t>
+            </a:r>
+            <a:r>
+              <a:rPr lang="en-US" sz="3523" dirty="0">
+                <a:solidFill>
+                  <a:srgbClr val="FFFFFF"/>
+                </a:solidFill>
+                <a:latin typeface="Canva Sans"/>
+                <a:ea typeface="Canva Sans"/>
+                <a:cs typeface="Canva Sans"/>
+                <a:sym typeface="Canva Sans"/>
+              </a:rPr>
+              <a:t> </a:t>
+            </a:r>
+            <a:r>
+              <a:rPr lang="en-US" sz="3523" dirty="0" err="1">
+                <a:solidFill>
+                  <a:srgbClr val="FFFFFF"/>
+                </a:solidFill>
+                <a:latin typeface="Canva Sans"/>
+                <a:ea typeface="Canva Sans"/>
+                <a:cs typeface="Canva Sans"/>
+                <a:sym typeface="Canva Sans"/>
+              </a:rPr>
+              <a:t>dan</a:t>
+            </a:r>
+            <a:r>
+              <a:rPr lang="en-US" sz="3523" dirty="0">
+                <a:solidFill>
+                  <a:srgbClr val="FFFFFF"/>
+                </a:solidFill>
+                <a:latin typeface="Canva Sans"/>
+                <a:ea typeface="Canva Sans"/>
+                <a:cs typeface="Canva Sans"/>
+                <a:sym typeface="Canva Sans"/>
+              </a:rPr>
+              <a:t> </a:t>
+            </a:r>
+            <a:r>
+              <a:rPr lang="en-US" sz="3523" dirty="0" err="1">
+                <a:solidFill>
+                  <a:srgbClr val="FFFFFF"/>
+                </a:solidFill>
+                <a:latin typeface="Canva Sans"/>
+                <a:ea typeface="Canva Sans"/>
+                <a:cs typeface="Canva Sans"/>
+                <a:sym typeface="Canva Sans"/>
+              </a:rPr>
+              <a:t>akreditasi</a:t>
+            </a:r>
+            <a:r>
+              <a:rPr lang="en-US" sz="3523" dirty="0">
+                <a:solidFill>
+                  <a:srgbClr val="FFFFFF"/>
+                </a:solidFill>
+                <a:latin typeface="Canva Sans"/>
+                <a:ea typeface="Canva Sans"/>
+                <a:cs typeface="Canva Sans"/>
+                <a:sym typeface="Canva Sans"/>
+              </a:rPr>
+              <a:t> program </a:t>
+            </a:r>
+            <a:r>
+              <a:rPr lang="en-US" sz="3523" dirty="0" err="1">
+                <a:solidFill>
+                  <a:srgbClr val="FFFFFF"/>
+                </a:solidFill>
+                <a:latin typeface="Canva Sans"/>
+                <a:ea typeface="Canva Sans"/>
+                <a:cs typeface="Canva Sans"/>
+                <a:sym typeface="Canva Sans"/>
+              </a:rPr>
+              <a:t>studi</a:t>
+            </a:r>
+            <a:r>
+              <a:rPr lang="en-US" sz="3523" dirty="0">
+                <a:solidFill>
+                  <a:srgbClr val="FFFFFF"/>
+                </a:solidFill>
+                <a:latin typeface="Canva Sans"/>
+                <a:ea typeface="Canva Sans"/>
+                <a:cs typeface="Canva Sans"/>
+                <a:sym typeface="Canva Sans"/>
+              </a:rPr>
+              <a:t>.</a:t>
+            </a:r>
+          </a:p>
+          <a:p>
+            <a:pPr marL="760821" lvl="1" indent="-380410" algn="l">
+              <a:lnSpc>
+                <a:spcPts val="4933"/>
+              </a:lnSpc>
+              <a:buAutoNum type="arabicPeriod"/>
+            </a:pPr>
+            <a:r>
+              <a:rPr lang="en-US" sz="3523" dirty="0" err="1">
+                <a:solidFill>
+                  <a:srgbClr val="FFFFFF"/>
+                </a:solidFill>
+                <a:latin typeface="Canva Sans"/>
+                <a:ea typeface="Canva Sans"/>
+                <a:cs typeface="Canva Sans"/>
+                <a:sym typeface="Canva Sans"/>
+              </a:rPr>
+              <a:t>Halaman</a:t>
+            </a:r>
+            <a:r>
+              <a:rPr lang="en-US" sz="3523" dirty="0">
+                <a:solidFill>
+                  <a:srgbClr val="FFFFFF"/>
+                </a:solidFill>
+                <a:latin typeface="Canva Sans"/>
+                <a:ea typeface="Canva Sans"/>
+                <a:cs typeface="Canva Sans"/>
+                <a:sym typeface="Canva Sans"/>
+              </a:rPr>
+              <a:t> </a:t>
+            </a:r>
+            <a:r>
+              <a:rPr lang="en-US" sz="3523" dirty="0" err="1">
+                <a:solidFill>
+                  <a:srgbClr val="FFFFFF"/>
+                </a:solidFill>
+                <a:latin typeface="Canva Sans"/>
+                <a:ea typeface="Canva Sans"/>
+                <a:cs typeface="Canva Sans"/>
+                <a:sym typeface="Canva Sans"/>
+              </a:rPr>
+              <a:t>Akreditasi</a:t>
+            </a:r>
+            <a:r>
+              <a:rPr lang="en-US" sz="3523" dirty="0">
+                <a:solidFill>
+                  <a:srgbClr val="FFFFFF"/>
+                </a:solidFill>
+                <a:latin typeface="Canva Sans"/>
+                <a:ea typeface="Canva Sans"/>
+                <a:cs typeface="Canva Sans"/>
+                <a:sym typeface="Canva Sans"/>
+              </a:rPr>
+              <a:t> PTN – </a:t>
+            </a:r>
+            <a:r>
+              <a:rPr lang="en-US" sz="3523" dirty="0" err="1">
+                <a:solidFill>
+                  <a:srgbClr val="FFFFFF"/>
+                </a:solidFill>
+                <a:latin typeface="Canva Sans"/>
+                <a:ea typeface="Canva Sans"/>
+                <a:cs typeface="Canva Sans"/>
+                <a:sym typeface="Canva Sans"/>
+              </a:rPr>
+              <a:t>Menampilkan</a:t>
+            </a:r>
+            <a:r>
+              <a:rPr lang="en-US" sz="3523" dirty="0">
+                <a:solidFill>
+                  <a:srgbClr val="FFFFFF"/>
+                </a:solidFill>
+                <a:latin typeface="Canva Sans"/>
+                <a:ea typeface="Canva Sans"/>
+                <a:cs typeface="Canva Sans"/>
+                <a:sym typeface="Canva Sans"/>
+              </a:rPr>
+              <a:t> </a:t>
+            </a:r>
+            <a:r>
+              <a:rPr lang="en-US" sz="3523" dirty="0" err="1">
+                <a:solidFill>
+                  <a:srgbClr val="FFFFFF"/>
+                </a:solidFill>
+                <a:latin typeface="Canva Sans"/>
+                <a:ea typeface="Canva Sans"/>
+                <a:cs typeface="Canva Sans"/>
+                <a:sym typeface="Canva Sans"/>
+              </a:rPr>
+              <a:t>daftar</a:t>
+            </a:r>
+            <a:r>
+              <a:rPr lang="en-US" sz="3523" dirty="0">
+                <a:solidFill>
+                  <a:srgbClr val="FFFFFF"/>
+                </a:solidFill>
+                <a:latin typeface="Canva Sans"/>
+                <a:ea typeface="Canva Sans"/>
+                <a:cs typeface="Canva Sans"/>
+                <a:sym typeface="Canva Sans"/>
+              </a:rPr>
+              <a:t> PTN </a:t>
+            </a:r>
+            <a:r>
+              <a:rPr lang="en-US" sz="3523" dirty="0" err="1">
+                <a:solidFill>
+                  <a:srgbClr val="FFFFFF"/>
+                </a:solidFill>
+                <a:latin typeface="Canva Sans"/>
+                <a:ea typeface="Canva Sans"/>
+                <a:cs typeface="Canva Sans"/>
+                <a:sym typeface="Canva Sans"/>
+              </a:rPr>
+              <a:t>dengan</a:t>
+            </a:r>
+            <a:r>
+              <a:rPr lang="en-US" sz="3523" dirty="0">
+                <a:solidFill>
+                  <a:srgbClr val="FFFFFF"/>
+                </a:solidFill>
+                <a:latin typeface="Canva Sans"/>
+                <a:ea typeface="Canva Sans"/>
+                <a:cs typeface="Canva Sans"/>
+                <a:sym typeface="Canva Sans"/>
+              </a:rPr>
+              <a:t> </a:t>
+            </a:r>
+            <a:r>
+              <a:rPr lang="en-US" sz="3523" dirty="0" err="1">
+                <a:solidFill>
+                  <a:srgbClr val="FFFFFF"/>
+                </a:solidFill>
+                <a:latin typeface="Canva Sans"/>
+                <a:ea typeface="Canva Sans"/>
+                <a:cs typeface="Canva Sans"/>
+                <a:sym typeface="Canva Sans"/>
+              </a:rPr>
+              <a:t>informasi</a:t>
+            </a:r>
+            <a:r>
+              <a:rPr lang="en-US" sz="3523" dirty="0">
+                <a:solidFill>
+                  <a:srgbClr val="FFFFFF"/>
+                </a:solidFill>
+                <a:latin typeface="Canva Sans"/>
+                <a:ea typeface="Canva Sans"/>
+                <a:cs typeface="Canva Sans"/>
+                <a:sym typeface="Canva Sans"/>
+              </a:rPr>
+              <a:t> </a:t>
+            </a:r>
+            <a:r>
+              <a:rPr lang="en-US" sz="3523" dirty="0" err="1">
+                <a:solidFill>
+                  <a:srgbClr val="FFFFFF"/>
+                </a:solidFill>
+                <a:latin typeface="Canva Sans"/>
+                <a:ea typeface="Canva Sans"/>
+                <a:cs typeface="Canva Sans"/>
+                <a:sym typeface="Canva Sans"/>
+              </a:rPr>
+              <a:t>akreditasinya</a:t>
+            </a:r>
+            <a:r>
+              <a:rPr lang="en-US" sz="3523" dirty="0">
+                <a:solidFill>
+                  <a:srgbClr val="FFFFFF"/>
+                </a:solidFill>
+                <a:latin typeface="Canva Sans"/>
+                <a:ea typeface="Canva Sans"/>
+                <a:cs typeface="Canva Sans"/>
+                <a:sym typeface="Canva Sans"/>
+              </a:rPr>
+              <a:t>.</a:t>
             </a:r>
           </a:p>
         </p:txBody>
@@ -4141,13 +4616,14 @@
 </file>
 
 <file path=ppt/slides/slide4.xml><?xml version="1.0" encoding="utf-8"?>
-<p:sld xmlns:p="http://schemas.openxmlformats.org/presentationml/2006/main" xmlns:a="http://schemas.openxmlformats.org/drawingml/2006/main" xmlns:r="http://schemas.openxmlformats.org/officeDocument/2006/relationships">
+<p:sld xmlns:a="http://schemas.openxmlformats.org/drawingml/2006/main" xmlns:r="http://schemas.openxmlformats.org/officeDocument/2006/relationships" xmlns:p="http://schemas.openxmlformats.org/presentationml/2006/main">
   <p:cSld>
     <p:bg>
       <p:bgPr>
         <a:solidFill>
           <a:srgbClr val="FA9002"/>
         </a:solidFill>
+        <a:effectLst/>
       </p:bgPr>
     </p:bg>
     <p:spTree>
@@ -4166,12 +4642,12 @@
       </p:grpSpPr>
       <p:grpSp>
         <p:nvGrpSpPr>
-          <p:cNvPr name="Group 2" id="2"/>
+          <p:cNvPr id="2" name="Group 2"/>
           <p:cNvGrpSpPr/>
           <p:nvPr/>
         </p:nvGrpSpPr>
         <p:grpSpPr>
-          <a:xfrm rot="0">
+          <a:xfrm>
             <a:off x="0" y="1691261"/>
             <a:ext cx="5452994" cy="1258404"/>
             <a:chOff x="0" y="0"/>
@@ -4180,12 +4656,12 @@
         </p:grpSpPr>
         <p:sp>
           <p:nvSpPr>
-            <p:cNvPr name="Freeform 3" id="3"/>
+            <p:cNvPr id="3" name="Freeform 3"/>
             <p:cNvSpPr/>
             <p:nvPr/>
           </p:nvSpPr>
           <p:spPr>
-            <a:xfrm flipH="false" flipV="false" rot="0">
+            <a:xfrm>
               <a:off x="0" y="0"/>
               <a:ext cx="1436179" cy="331432"/>
             </a:xfrm>
@@ -4194,9 +4670,9 @@
               <a:gdLst/>
               <a:ahLst/>
               <a:cxnLst/>
-              <a:rect r="r" b="b" t="t" l="l"/>
+              <a:rect l="l" t="t" r="r" b="b"/>
               <a:pathLst>
-                <a:path h="331432" w="1436179">
+                <a:path w="1436179" h="331432">
                   <a:moveTo>
                     <a:pt x="0" y="0"/>
                   </a:moveTo>
@@ -4220,8 +4696,8 @@
         </p:sp>
         <p:sp>
           <p:nvSpPr>
-            <p:cNvPr name="TextBox 4" id="4"/>
-            <p:cNvSpPr txBox="true"/>
+            <p:cNvPr id="4" name="TextBox 4"/>
+            <p:cNvSpPr txBox="1"/>
             <p:nvPr/>
           </p:nvSpPr>
           <p:spPr>
@@ -4234,7 +4710,7 @@
             </a:prstGeom>
           </p:spPr>
           <p:txBody>
-            <a:bodyPr anchor="ctr" rtlCol="false" tIns="50800" lIns="50800" bIns="50800" rIns="50800"/>
+            <a:bodyPr lIns="50800" tIns="50800" rIns="50800" bIns="50800" rtlCol="0" anchor="ctr"/>
             <a:lstStyle/>
             <a:p>
               <a:pPr algn="ctr">
@@ -4242,18 +4718,19 @@
                   <a:spcPts val="2659"/>
                 </a:lnSpc>
               </a:pPr>
+              <a:endParaRPr/>
             </a:p>
           </p:txBody>
         </p:sp>
       </p:grpSp>
       <p:sp>
         <p:nvSpPr>
-          <p:cNvPr name="Freeform 5" id="5"/>
+          <p:cNvPr id="5" name="Freeform 5"/>
           <p:cNvSpPr/>
           <p:nvPr/>
         </p:nvSpPr>
         <p:spPr>
-          <a:xfrm flipH="false" flipV="false" rot="0">
+          <a:xfrm>
             <a:off x="6832315" y="892266"/>
             <a:ext cx="4623371" cy="4114800"/>
           </a:xfrm>
@@ -4262,9 +4739,9 @@
             <a:gdLst/>
             <a:ahLst/>
             <a:cxnLst/>
-            <a:rect r="r" b="b" t="t" l="l"/>
+            <a:rect l="l" t="t" r="r" b="b"/>
             <a:pathLst>
-              <a:path h="4114800" w="4623371">
+              <a:path w="4623371" h="4114800">
                 <a:moveTo>
                   <a:pt x="0" y="0"/>
                 </a:moveTo>
@@ -4288,25 +4765,25 @@
             <a:blip r:embed="rId2">
               <a:extLst>
                 <a:ext uri="{96DAC541-7B7A-43D3-8B79-37D633B846F1}">
-                  <asvg:svgBlip xmlns:asvg="http://schemas.microsoft.com/office/drawing/2016/SVG/main" r:embed="rId3"/>
+                  <asvg:svgBlip xmlns="" xmlns:asvg="http://schemas.microsoft.com/office/drawing/2016/SVG/main" r:embed="rId3"/>
                 </a:ext>
               </a:extLst>
             </a:blip>
             <a:stretch>
-              <a:fillRect l="0" t="0" r="0" b="0"/>
+              <a:fillRect/>
             </a:stretch>
           </a:blipFill>
         </p:spPr>
       </p:sp>
       <p:sp>
         <p:nvSpPr>
-          <p:cNvPr name="TextBox 6" id="6"/>
-          <p:cNvSpPr txBox="true"/>
+          <p:cNvPr id="6" name="TextBox 6"/>
+          <p:cNvSpPr txBox="1"/>
           <p:nvPr/>
         </p:nvSpPr>
         <p:spPr>
-          <a:xfrm rot="0">
-            <a:off x="2863636" y="7103858"/>
+          <a:xfrm>
+            <a:off x="2947756" y="7190228"/>
             <a:ext cx="12560727" cy="2825777"/>
           </a:xfrm>
           <a:prstGeom prst="rect">
@@ -4314,7 +4791,7 @@
           </a:prstGeom>
         </p:spPr>
         <p:txBody>
-          <a:bodyPr anchor="t" rtlCol="false" tIns="0" lIns="0" bIns="0" rIns="0">
+          <a:bodyPr lIns="0" tIns="0" rIns="0" bIns="0" rtlCol="0" anchor="t">
             <a:spAutoFit/>
           </a:bodyPr>
           <a:lstStyle/>
@@ -4325,7 +4802,7 @@
               </a:lnSpc>
             </a:pPr>
             <a:r>
-              <a:rPr lang="en-US" sz="4223">
+              <a:rPr lang="en-US" sz="4223" dirty="0">
                 <a:solidFill>
                   <a:srgbClr val="FFFFFF"/>
                 </a:solidFill>
@@ -4334,19 +4811,7 @@
                 <a:cs typeface="Canva Sans"/>
                 <a:sym typeface="Canva Sans"/>
               </a:rPr>
-              <a:t>Frontend (</a:t>
-            </a:r>
-            <a:r>
-              <a:rPr lang="en-US" sz="4223">
-                <a:solidFill>
-                  <a:srgbClr val="FFFFFF"/>
-                </a:solidFill>
-                <a:latin typeface="Canva Sans"/>
-                <a:ea typeface="Canva Sans"/>
-                <a:cs typeface="Canva Sans"/>
-                <a:sym typeface="Canva Sans"/>
-              </a:rPr>
-              <a:t>Bootstrap)</a:t>
+              <a:t>Frontend (Bootstrap)</a:t>
             </a:r>
           </a:p>
           <a:p>
@@ -4356,7 +4821,7 @@
               </a:lnSpc>
             </a:pPr>
             <a:r>
-              <a:rPr lang="en-US" sz="4223">
+              <a:rPr lang="en-US" sz="4223" dirty="0">
                 <a:solidFill>
                   <a:srgbClr val="FFFFFF"/>
                 </a:solidFill>
@@ -4365,7 +4830,31 @@
                 <a:cs typeface="Canva Sans"/>
                 <a:sym typeface="Canva Sans"/>
               </a:rPr>
-              <a:t>Backend (CodeIgniter (CI 4))</a:t>
+              <a:t>Backend (</a:t>
+            </a:r>
+            <a:r>
+              <a:rPr lang="en-US" sz="4223" dirty="0" err="1">
+                <a:solidFill>
+                  <a:srgbClr val="FFFFFF"/>
+                </a:solidFill>
+                <a:latin typeface="Canva Sans"/>
+                <a:ea typeface="Canva Sans"/>
+                <a:cs typeface="Canva Sans"/>
+                <a:sym typeface="Canva Sans"/>
+              </a:rPr>
+              <a:t>CodeIgniter</a:t>
+            </a:r>
+            <a:r>
+              <a:rPr lang="en-US" sz="4223" dirty="0">
+                <a:solidFill>
+                  <a:srgbClr val="FFFFFF"/>
+                </a:solidFill>
+                <a:latin typeface="Canva Sans"/>
+                <a:ea typeface="Canva Sans"/>
+                <a:cs typeface="Canva Sans"/>
+                <a:sym typeface="Canva Sans"/>
+              </a:rPr>
+              <a:t> (CI 4))</a:t>
             </a:r>
           </a:p>
           <a:p>
@@ -4375,7 +4864,7 @@
               </a:lnSpc>
             </a:pPr>
             <a:r>
-              <a:rPr lang="en-US" sz="4223">
+              <a:rPr lang="en-US" sz="4223" dirty="0">
                 <a:solidFill>
                   <a:srgbClr val="FFFFFF"/>
                 </a:solidFill>
@@ -4393,17 +4882,26 @@
                 <a:spcPts val="4933"/>
               </a:lnSpc>
             </a:pPr>
+            <a:endParaRPr lang="en-US" sz="4223" dirty="0">
+              <a:solidFill>
+                <a:srgbClr val="FFFFFF"/>
+              </a:solidFill>
+              <a:latin typeface="Canva Sans"/>
+              <a:ea typeface="Canva Sans"/>
+              <a:cs typeface="Canva Sans"/>
+              <a:sym typeface="Canva Sans"/>
+            </a:endParaRPr>
           </a:p>
         </p:txBody>
       </p:sp>
       <p:grpSp>
         <p:nvGrpSpPr>
-          <p:cNvPr name="Group 7" id="7"/>
+          <p:cNvPr id="7" name="Group 7"/>
           <p:cNvGrpSpPr/>
           <p:nvPr/>
         </p:nvGrpSpPr>
         <p:grpSpPr>
-          <a:xfrm rot="0">
+          <a:xfrm>
             <a:off x="12661626" y="5237583"/>
             <a:ext cx="5626374" cy="1258404"/>
             <a:chOff x="0" y="0"/>
@@ -4412,12 +4910,12 @@
         </p:grpSpPr>
         <p:sp>
           <p:nvSpPr>
-            <p:cNvPr name="Freeform 8" id="8"/>
+            <p:cNvPr id="8" name="Freeform 8"/>
             <p:cNvSpPr/>
             <p:nvPr/>
           </p:nvSpPr>
           <p:spPr>
-            <a:xfrm flipH="false" flipV="false" rot="0">
+            <a:xfrm>
               <a:off x="0" y="0"/>
               <a:ext cx="1481843" cy="331432"/>
             </a:xfrm>
@@ -4426,9 +4924,9 @@
               <a:gdLst/>
               <a:ahLst/>
               <a:cxnLst/>
-              <a:rect r="r" b="b" t="t" l="l"/>
+              <a:rect l="l" t="t" r="r" b="b"/>
               <a:pathLst>
-                <a:path h="331432" w="1481843">
+                <a:path w="1481843" h="331432">
                   <a:moveTo>
                     <a:pt x="0" y="0"/>
                   </a:moveTo>
@@ -4452,8 +4950,8 @@
         </p:sp>
         <p:sp>
           <p:nvSpPr>
-            <p:cNvPr name="TextBox 9" id="9"/>
-            <p:cNvSpPr txBox="true"/>
+            <p:cNvPr id="9" name="TextBox 9"/>
+            <p:cNvSpPr txBox="1"/>
             <p:nvPr/>
           </p:nvSpPr>
           <p:spPr>
@@ -4466,7 +4964,7 @@
             </a:prstGeom>
           </p:spPr>
           <p:txBody>
-            <a:bodyPr anchor="ctr" rtlCol="false" tIns="50800" lIns="50800" bIns="50800" rIns="50800"/>
+            <a:bodyPr lIns="50800" tIns="50800" rIns="50800" bIns="50800" rtlCol="0" anchor="ctr"/>
             <a:lstStyle/>
             <a:p>
               <a:pPr algn="ctr">
@@ -4474,18 +4972,19 @@
                   <a:spcPts val="2659"/>
                 </a:lnSpc>
               </a:pPr>
+              <a:endParaRPr/>
             </a:p>
           </p:txBody>
         </p:sp>
       </p:grpSp>
       <p:sp>
         <p:nvSpPr>
-          <p:cNvPr name="TextBox 10" id="10"/>
-          <p:cNvSpPr txBox="true"/>
+          <p:cNvPr id="10" name="TextBox 10"/>
+          <p:cNvSpPr txBox="1"/>
           <p:nvPr/>
         </p:nvSpPr>
         <p:spPr>
-          <a:xfrm rot="0">
+          <a:xfrm>
             <a:off x="1589319" y="5313783"/>
             <a:ext cx="16698681" cy="1293793"/>
           </a:xfrm>
@@ -4494,7 +4993,7 @@
           </a:prstGeom>
         </p:spPr>
         <p:txBody>
-          <a:bodyPr anchor="t" rtlCol="false" tIns="0" lIns="0" bIns="0" rIns="0">
+          <a:bodyPr lIns="0" tIns="0" rIns="0" bIns="0" rtlCol="0" anchor="t">
             <a:spAutoFit/>
           </a:bodyPr>
           <a:lstStyle/>
@@ -4528,13 +5027,14 @@
 </file>
 
 <file path=ppt/slides/slide5.xml><?xml version="1.0" encoding="utf-8"?>
-<p:sld xmlns:p="http://schemas.openxmlformats.org/presentationml/2006/main" xmlns:a="http://schemas.openxmlformats.org/drawingml/2006/main" xmlns:r="http://schemas.openxmlformats.org/officeDocument/2006/relationships">
+<p:sld xmlns:a="http://schemas.openxmlformats.org/drawingml/2006/main" xmlns:r="http://schemas.openxmlformats.org/officeDocument/2006/relationships" xmlns:p="http://schemas.openxmlformats.org/presentationml/2006/main">
   <p:cSld>
     <p:bg>
       <p:bgPr>
         <a:solidFill>
           <a:srgbClr val="FA9002"/>
         </a:solidFill>
+        <a:effectLst/>
       </p:bgPr>
     </p:bg>
     <p:spTree>
@@ -4553,12 +5053,12 @@
       </p:grpSpPr>
       <p:grpSp>
         <p:nvGrpSpPr>
-          <p:cNvPr name="Group 2" id="2"/>
+          <p:cNvPr id="2" name="Group 2"/>
           <p:cNvGrpSpPr/>
           <p:nvPr/>
         </p:nvGrpSpPr>
         <p:grpSpPr>
-          <a:xfrm rot="0">
+          <a:xfrm>
             <a:off x="0" y="1028700"/>
             <a:ext cx="8486827" cy="1258404"/>
             <a:chOff x="0" y="0"/>
@@ -4567,12 +5067,12 @@
         </p:grpSpPr>
         <p:sp>
           <p:nvSpPr>
-            <p:cNvPr name="Freeform 3" id="3"/>
+            <p:cNvPr id="3" name="Freeform 3"/>
             <p:cNvSpPr/>
             <p:nvPr/>
           </p:nvSpPr>
           <p:spPr>
-            <a:xfrm flipH="false" flipV="false" rot="0">
+            <a:xfrm>
               <a:off x="0" y="0"/>
               <a:ext cx="2235214" cy="331432"/>
             </a:xfrm>
@@ -4581,9 +5081,9 @@
               <a:gdLst/>
               <a:ahLst/>
               <a:cxnLst/>
-              <a:rect r="r" b="b" t="t" l="l"/>
+              <a:rect l="l" t="t" r="r" b="b"/>
               <a:pathLst>
-                <a:path h="331432" w="2235214">
+                <a:path w="2235214" h="331432">
                   <a:moveTo>
                     <a:pt x="0" y="0"/>
                   </a:moveTo>
@@ -4607,8 +5107,8 @@
         </p:sp>
         <p:sp>
           <p:nvSpPr>
-            <p:cNvPr name="TextBox 4" id="4"/>
-            <p:cNvSpPr txBox="true"/>
+            <p:cNvPr id="4" name="TextBox 4"/>
+            <p:cNvSpPr txBox="1"/>
             <p:nvPr/>
           </p:nvSpPr>
           <p:spPr>
@@ -4621,7 +5121,7 @@
             </a:prstGeom>
           </p:spPr>
           <p:txBody>
-            <a:bodyPr anchor="ctr" rtlCol="false" tIns="50800" lIns="50800" bIns="50800" rIns="50800"/>
+            <a:bodyPr lIns="50800" tIns="50800" rIns="50800" bIns="50800" rtlCol="0" anchor="ctr"/>
             <a:lstStyle/>
             <a:p>
               <a:pPr algn="ctr">
@@ -4629,18 +5129,19 @@
                   <a:spcPts val="2659"/>
                 </a:lnSpc>
               </a:pPr>
+              <a:endParaRPr/>
             </a:p>
           </p:txBody>
         </p:sp>
       </p:grpSp>
       <p:sp>
         <p:nvSpPr>
-          <p:cNvPr name="Freeform 5" id="5"/>
+          <p:cNvPr id="5" name="Freeform 5"/>
           <p:cNvSpPr/>
           <p:nvPr/>
         </p:nvSpPr>
         <p:spPr>
-          <a:xfrm flipH="false" flipV="false" rot="0">
+          <a:xfrm>
             <a:off x="6366838" y="2377659"/>
             <a:ext cx="5554324" cy="7892467"/>
           </a:xfrm>
@@ -4649,9 +5150,9 @@
             <a:gdLst/>
             <a:ahLst/>
             <a:cxnLst/>
-            <a:rect r="r" b="b" t="t" l="l"/>
+            <a:rect l="l" t="t" r="r" b="b"/>
             <a:pathLst>
-              <a:path h="7892467" w="5554324">
+              <a:path w="5554324" h="7892467">
                 <a:moveTo>
                   <a:pt x="0" y="0"/>
                 </a:moveTo>
@@ -4674,19 +5175,19 @@
           <a:blipFill>
             <a:blip r:embed="rId2"/>
             <a:stretch>
-              <a:fillRect l="0" t="0" r="0" b="0"/>
+              <a:fillRect/>
             </a:stretch>
           </a:blipFill>
         </p:spPr>
       </p:sp>
       <p:sp>
         <p:nvSpPr>
-          <p:cNvPr name="TextBox 6" id="6"/>
-          <p:cNvSpPr txBox="true"/>
+          <p:cNvPr id="6" name="TextBox 6"/>
+          <p:cNvSpPr txBox="1"/>
           <p:nvPr/>
         </p:nvSpPr>
         <p:spPr>
-          <a:xfrm rot="0">
+          <a:xfrm>
             <a:off x="1259808" y="1104900"/>
             <a:ext cx="13598774" cy="1272759"/>
           </a:xfrm>
@@ -4695,7 +5196,7 @@
           </a:prstGeom>
         </p:spPr>
         <p:txBody>
-          <a:bodyPr anchor="t" rtlCol="false" tIns="0" lIns="0" bIns="0" rIns="0">
+          <a:bodyPr lIns="0" tIns="0" rIns="0" bIns="0" rtlCol="0" anchor="t">
             <a:spAutoFit/>
           </a:bodyPr>
           <a:lstStyle/>
@@ -4722,12 +5223,12 @@
       </p:sp>
       <p:sp>
         <p:nvSpPr>
-          <p:cNvPr name="TextBox 7" id="7"/>
-          <p:cNvSpPr txBox="true"/>
+          <p:cNvPr id="7" name="TextBox 7"/>
+          <p:cNvSpPr txBox="1"/>
           <p:nvPr/>
         </p:nvSpPr>
         <p:spPr>
-          <a:xfrm rot="0">
+          <a:xfrm>
             <a:off x="783896" y="2406751"/>
             <a:ext cx="7702932" cy="1684059"/>
           </a:xfrm>
@@ -4736,12 +5237,12 @@
           </a:prstGeom>
         </p:spPr>
         <p:txBody>
-          <a:bodyPr anchor="t" rtlCol="false" tIns="0" lIns="0" bIns="0" rIns="0">
+          <a:bodyPr lIns="0" tIns="0" rIns="0" bIns="0" rtlCol="0" anchor="t">
             <a:spAutoFit/>
           </a:bodyPr>
           <a:lstStyle/>
           <a:p>
-            <a:pPr algn="l" marL="626110" indent="-313055" lvl="1">
+            <a:pPr marL="626110" lvl="1" indent="-313055" algn="l">
               <a:lnSpc>
                 <a:spcPts val="4060"/>
               </a:lnSpc>
@@ -4762,7 +5263,7 @@
             </a:r>
           </a:p>
           <a:p>
-            <a:pPr algn="just" marL="626110" indent="-313055" lvl="1">
+            <a:pPr marL="626110" lvl="1" indent="-313055" algn="just">
               <a:lnSpc>
                 <a:spcPts val="4060"/>
               </a:lnSpc>
@@ -4788,17 +5289,26 @@
                 <a:spcPts val="1064"/>
               </a:lnSpc>
             </a:pPr>
-          </a:p>
-        </p:txBody>
-      </p:sp>
-      <p:sp>
-        <p:nvSpPr>
-          <p:cNvPr name="TextBox 8" id="8"/>
-          <p:cNvSpPr txBox="true"/>
+            <a:endParaRPr lang="en-US" sz="2900">
+              <a:solidFill>
+                <a:srgbClr val="FFFFFF"/>
+              </a:solidFill>
+              <a:latin typeface="Canva Sans"/>
+              <a:ea typeface="Canva Sans"/>
+              <a:cs typeface="Canva Sans"/>
+              <a:sym typeface="Canva Sans"/>
+            </a:endParaRPr>
+          </a:p>
+        </p:txBody>
+      </p:sp>
+      <p:sp>
+        <p:nvSpPr>
+          <p:cNvPr id="8" name="TextBox 8"/>
+          <p:cNvSpPr txBox="1"/>
           <p:nvPr/>
         </p:nvSpPr>
         <p:spPr>
-          <a:xfrm rot="0">
+          <a:xfrm>
             <a:off x="7896005" y="2696337"/>
             <a:ext cx="1247995" cy="1038213"/>
           </a:xfrm>
@@ -4807,7 +5317,7 @@
           </a:prstGeom>
         </p:spPr>
         <p:txBody>
-          <a:bodyPr anchor="t" rtlCol="false" tIns="0" lIns="0" bIns="0" rIns="0">
+          <a:bodyPr lIns="0" tIns="0" rIns="0" bIns="0" rtlCol="0" anchor="t">
             <a:spAutoFit/>
           </a:bodyPr>
           <a:lstStyle/>
@@ -4818,7 +5328,7 @@
               </a:lnSpc>
             </a:pPr>
             <a:r>
-              <a:rPr lang="en-US" sz="6000" b="true">
+              <a:rPr lang="en-US" sz="6000" b="1">
                 <a:solidFill>
                   <a:srgbClr val="000000"/>
                 </a:solidFill>
@@ -4834,12 +5344,12 @@
       </p:sp>
       <p:sp>
         <p:nvSpPr>
-          <p:cNvPr name="TextBox 9" id="9"/>
-          <p:cNvSpPr txBox="true"/>
+          <p:cNvPr id="9" name="TextBox 9"/>
+          <p:cNvSpPr txBox="1"/>
           <p:nvPr/>
         </p:nvSpPr>
         <p:spPr>
-          <a:xfrm rot="0">
+          <a:xfrm>
             <a:off x="9970596" y="4562481"/>
             <a:ext cx="1247995" cy="1038213"/>
           </a:xfrm>
@@ -4848,7 +5358,7 @@
           </a:prstGeom>
         </p:spPr>
         <p:txBody>
-          <a:bodyPr anchor="t" rtlCol="false" tIns="0" lIns="0" bIns="0" rIns="0">
+          <a:bodyPr lIns="0" tIns="0" rIns="0" bIns="0" rtlCol="0" anchor="t">
             <a:spAutoFit/>
           </a:bodyPr>
           <a:lstStyle/>
@@ -4859,7 +5369,7 @@
               </a:lnSpc>
             </a:pPr>
             <a:r>
-              <a:rPr lang="en-US" sz="6000" b="true">
+              <a:rPr lang="en-US" sz="6000" b="1">
                 <a:solidFill>
                   <a:srgbClr val="000000"/>
                 </a:solidFill>
@@ -4875,12 +5385,12 @@
       </p:sp>
       <p:sp>
         <p:nvSpPr>
-          <p:cNvPr name="TextBox 10" id="10"/>
-          <p:cNvSpPr txBox="true"/>
+          <p:cNvPr id="10" name="TextBox 10"/>
+          <p:cNvSpPr txBox="1"/>
           <p:nvPr/>
         </p:nvSpPr>
         <p:spPr>
-          <a:xfrm rot="0">
+          <a:xfrm>
             <a:off x="6633754" y="6200067"/>
             <a:ext cx="1247995" cy="1038213"/>
           </a:xfrm>
@@ -4889,7 +5399,7 @@
           </a:prstGeom>
         </p:spPr>
         <p:txBody>
-          <a:bodyPr anchor="t" rtlCol="false" tIns="0" lIns="0" bIns="0" rIns="0">
+          <a:bodyPr lIns="0" tIns="0" rIns="0" bIns="0" rtlCol="0" anchor="t">
             <a:spAutoFit/>
           </a:bodyPr>
           <a:lstStyle/>
@@ -4900,7 +5410,7 @@
               </a:lnSpc>
             </a:pPr>
             <a:r>
-              <a:rPr lang="en-US" sz="6000" b="true">
+              <a:rPr lang="en-US" sz="6000" b="1">
                 <a:solidFill>
                   <a:srgbClr val="000000"/>
                 </a:solidFill>
@@ -4916,12 +5426,12 @@
       </p:sp>
       <p:sp>
         <p:nvSpPr>
-          <p:cNvPr name="TextBox 11" id="11"/>
-          <p:cNvSpPr txBox="true"/>
+          <p:cNvPr id="11" name="TextBox 11"/>
+          <p:cNvSpPr txBox="1"/>
           <p:nvPr/>
         </p:nvSpPr>
         <p:spPr>
-          <a:xfrm rot="0">
+          <a:xfrm>
             <a:off x="10316840" y="7810519"/>
             <a:ext cx="1247995" cy="1038213"/>
           </a:xfrm>
@@ -4930,7 +5440,7 @@
           </a:prstGeom>
         </p:spPr>
         <p:txBody>
-          <a:bodyPr anchor="t" rtlCol="false" tIns="0" lIns="0" bIns="0" rIns="0">
+          <a:bodyPr lIns="0" tIns="0" rIns="0" bIns="0" rtlCol="0" anchor="t">
             <a:spAutoFit/>
           </a:bodyPr>
           <a:lstStyle/>
@@ -4941,7 +5451,7 @@
               </a:lnSpc>
             </a:pPr>
             <a:r>
-              <a:rPr lang="en-US" sz="6000" b="true">
+              <a:rPr lang="en-US" sz="6000" b="1">
                 <a:solidFill>
                   <a:srgbClr val="000000"/>
                 </a:solidFill>
@@ -4957,12 +5467,12 @@
       </p:sp>
       <p:sp>
         <p:nvSpPr>
-          <p:cNvPr name="TextBox 12" id="12"/>
-          <p:cNvSpPr txBox="true"/>
+          <p:cNvPr id="12" name="TextBox 12"/>
+          <p:cNvSpPr txBox="1"/>
           <p:nvPr/>
         </p:nvSpPr>
         <p:spPr>
-          <a:xfrm rot="0">
+          <a:xfrm>
             <a:off x="8059195" y="8677281"/>
             <a:ext cx="1247995" cy="1038213"/>
           </a:xfrm>
@@ -4971,7 +5481,7 @@
           </a:prstGeom>
         </p:spPr>
         <p:txBody>
-          <a:bodyPr anchor="t" rtlCol="false" tIns="0" lIns="0" bIns="0" rIns="0">
+          <a:bodyPr lIns="0" tIns="0" rIns="0" bIns="0" rtlCol="0" anchor="t">
             <a:spAutoFit/>
           </a:bodyPr>
           <a:lstStyle/>
@@ -4982,7 +5492,7 @@
               </a:lnSpc>
             </a:pPr>
             <a:r>
-              <a:rPr lang="en-US" sz="6000" b="true">
+              <a:rPr lang="en-US" sz="6000" b="1">
                 <a:solidFill>
                   <a:srgbClr val="000000"/>
                 </a:solidFill>
@@ -4998,12 +5508,12 @@
       </p:sp>
       <p:sp>
         <p:nvSpPr>
-          <p:cNvPr name="TextBox 13" id="13"/>
-          <p:cNvSpPr txBox="true"/>
+          <p:cNvPr id="13" name="TextBox 13"/>
+          <p:cNvSpPr txBox="1"/>
           <p:nvPr/>
         </p:nvSpPr>
         <p:spPr>
-          <a:xfrm rot="0">
+          <a:xfrm>
             <a:off x="11431485" y="4285397"/>
             <a:ext cx="7702932" cy="1684059"/>
           </a:xfrm>
@@ -5012,12 +5522,12 @@
           </a:prstGeom>
         </p:spPr>
         <p:txBody>
-          <a:bodyPr anchor="t" rtlCol="false" tIns="0" lIns="0" bIns="0" rIns="0">
+          <a:bodyPr lIns="0" tIns="0" rIns="0" bIns="0" rtlCol="0" anchor="t">
             <a:spAutoFit/>
           </a:bodyPr>
           <a:lstStyle/>
           <a:p>
-            <a:pPr algn="l" marL="626110" indent="-313055" lvl="1">
+            <a:pPr marL="626110" lvl="1" indent="-313055" algn="l">
               <a:lnSpc>
                 <a:spcPts val="4060"/>
               </a:lnSpc>
@@ -5038,7 +5548,7 @@
             </a:r>
           </a:p>
           <a:p>
-            <a:pPr algn="l" marL="626110" indent="-313055" lvl="1">
+            <a:pPr marL="626110" lvl="1" indent="-313055" algn="l">
               <a:lnSpc>
                 <a:spcPts val="4060"/>
               </a:lnSpc>
@@ -5059,7 +5569,7 @@
             </a:r>
           </a:p>
           <a:p>
-            <a:pPr algn="l" marL="626110" indent="-313055" lvl="1">
+            <a:pPr marL="626110" lvl="1" indent="-313055" algn="l">
               <a:lnSpc>
                 <a:spcPts val="4060"/>
               </a:lnSpc>
@@ -5085,17 +5595,26 @@
                 <a:spcPts val="1064"/>
               </a:lnSpc>
             </a:pPr>
-          </a:p>
-        </p:txBody>
-      </p:sp>
-      <p:sp>
-        <p:nvSpPr>
-          <p:cNvPr name="TextBox 14" id="14"/>
-          <p:cNvSpPr txBox="true"/>
+            <a:endParaRPr lang="en-US" sz="2900">
+              <a:solidFill>
+                <a:srgbClr val="FFFFFF"/>
+              </a:solidFill>
+              <a:latin typeface="Canva Sans"/>
+              <a:ea typeface="Canva Sans"/>
+              <a:cs typeface="Canva Sans"/>
+              <a:sym typeface="Canva Sans"/>
+            </a:endParaRPr>
+          </a:p>
+        </p:txBody>
+      </p:sp>
+      <p:sp>
+        <p:nvSpPr>
+          <p:cNvPr id="14" name="TextBox 14"/>
+          <p:cNvSpPr txBox="1"/>
           <p:nvPr/>
         </p:nvSpPr>
         <p:spPr>
-          <a:xfrm rot="0">
+          <a:xfrm>
             <a:off x="783896" y="6007556"/>
             <a:ext cx="6366838" cy="1684059"/>
           </a:xfrm>
@@ -5104,12 +5623,12 @@
           </a:prstGeom>
         </p:spPr>
         <p:txBody>
-          <a:bodyPr anchor="t" rtlCol="false" tIns="0" lIns="0" bIns="0" rIns="0">
+          <a:bodyPr lIns="0" tIns="0" rIns="0" bIns="0" rtlCol="0" anchor="t">
             <a:spAutoFit/>
           </a:bodyPr>
           <a:lstStyle/>
           <a:p>
-            <a:pPr algn="l" marL="626110" indent="-313055" lvl="1">
+            <a:pPr marL="626110" lvl="1" indent="-313055" algn="l">
               <a:lnSpc>
                 <a:spcPts val="4060"/>
               </a:lnSpc>
@@ -5130,7 +5649,7 @@
             </a:r>
           </a:p>
           <a:p>
-            <a:pPr algn="l" marL="626110" indent="-313055" lvl="1">
+            <a:pPr marL="626110" lvl="1" indent="-313055" algn="l">
               <a:lnSpc>
                 <a:spcPts val="4060"/>
               </a:lnSpc>
@@ -5156,17 +5675,26 @@
                 <a:spcPts val="1064"/>
               </a:lnSpc>
             </a:pPr>
-          </a:p>
-        </p:txBody>
-      </p:sp>
-      <p:sp>
-        <p:nvSpPr>
-          <p:cNvPr name="TextBox 15" id="15"/>
-          <p:cNvSpPr txBox="true"/>
+            <a:endParaRPr lang="en-US" sz="2900">
+              <a:solidFill>
+                <a:srgbClr val="FFFFFF"/>
+              </a:solidFill>
+              <a:latin typeface="Canva Sans"/>
+              <a:ea typeface="Canva Sans"/>
+              <a:cs typeface="Canva Sans"/>
+              <a:sym typeface="Canva Sans"/>
+            </a:endParaRPr>
+          </a:p>
+        </p:txBody>
+      </p:sp>
+      <p:sp>
+        <p:nvSpPr>
+          <p:cNvPr id="15" name="TextBox 15"/>
+          <p:cNvSpPr txBox="1"/>
           <p:nvPr/>
         </p:nvSpPr>
         <p:spPr>
-          <a:xfrm rot="0">
+          <a:xfrm>
             <a:off x="11526735" y="7573161"/>
             <a:ext cx="6761265" cy="2713839"/>
           </a:xfrm>
@@ -5175,12 +5703,12 @@
           </a:prstGeom>
         </p:spPr>
         <p:txBody>
-          <a:bodyPr anchor="t" rtlCol="false" tIns="0" lIns="0" bIns="0" rIns="0">
+          <a:bodyPr lIns="0" tIns="0" rIns="0" bIns="0" rtlCol="0" anchor="t">
             <a:spAutoFit/>
           </a:bodyPr>
           <a:lstStyle/>
           <a:p>
-            <a:pPr algn="l" marL="626110" indent="-313055" lvl="1">
+            <a:pPr marL="626110" lvl="1" indent="-313055" algn="l">
               <a:lnSpc>
                 <a:spcPts val="4060"/>
               </a:lnSpc>
@@ -5201,7 +5729,7 @@
             </a:r>
           </a:p>
           <a:p>
-            <a:pPr algn="l" marL="626110" indent="-313055" lvl="1">
+            <a:pPr marL="626110" lvl="1" indent="-313055" algn="l">
               <a:lnSpc>
                 <a:spcPts val="4060"/>
               </a:lnSpc>
@@ -5227,17 +5755,26 @@
                 <a:spcPts val="1064"/>
               </a:lnSpc>
             </a:pPr>
-          </a:p>
-        </p:txBody>
-      </p:sp>
-      <p:sp>
-        <p:nvSpPr>
-          <p:cNvPr name="TextBox 16" id="16"/>
-          <p:cNvSpPr txBox="true"/>
+            <a:endParaRPr lang="en-US" sz="2900">
+              <a:solidFill>
+                <a:srgbClr val="FFFFFF"/>
+              </a:solidFill>
+              <a:latin typeface="Canva Sans"/>
+              <a:ea typeface="Canva Sans"/>
+              <a:cs typeface="Canva Sans"/>
+              <a:sym typeface="Canva Sans"/>
+            </a:endParaRPr>
+          </a:p>
+        </p:txBody>
+      </p:sp>
+      <p:sp>
+        <p:nvSpPr>
+          <p:cNvPr id="16" name="TextBox 16"/>
+          <p:cNvSpPr txBox="1"/>
           <p:nvPr/>
         </p:nvSpPr>
         <p:spPr>
-          <a:xfrm rot="0">
+          <a:xfrm>
             <a:off x="890913" y="8602941"/>
             <a:ext cx="6366838" cy="1684059"/>
           </a:xfrm>
@@ -5246,12 +5783,12 @@
           </a:prstGeom>
         </p:spPr>
         <p:txBody>
-          <a:bodyPr anchor="t" rtlCol="false" tIns="0" lIns="0" bIns="0" rIns="0">
+          <a:bodyPr lIns="0" tIns="0" rIns="0" bIns="0" rtlCol="0" anchor="t">
             <a:spAutoFit/>
           </a:bodyPr>
           <a:lstStyle/>
           <a:p>
-            <a:pPr algn="l" marL="626110" indent="-313055" lvl="1">
+            <a:pPr marL="626110" lvl="1" indent="-313055" algn="l">
               <a:lnSpc>
                 <a:spcPts val="4060"/>
               </a:lnSpc>
@@ -5272,7 +5809,7 @@
             </a:r>
           </a:p>
           <a:p>
-            <a:pPr algn="l" marL="626110" indent="-313055" lvl="1">
+            <a:pPr marL="626110" lvl="1" indent="-313055" algn="l">
               <a:lnSpc>
                 <a:spcPts val="4060"/>
               </a:lnSpc>
@@ -5298,6 +5835,15 @@
                 <a:spcPts val="1064"/>
               </a:lnSpc>
             </a:pPr>
+            <a:endParaRPr lang="en-US" sz="2900">
+              <a:solidFill>
+                <a:srgbClr val="FFFFFF"/>
+              </a:solidFill>
+              <a:latin typeface="Canva Sans"/>
+              <a:ea typeface="Canva Sans"/>
+              <a:cs typeface="Canva Sans"/>
+              <a:sym typeface="Canva Sans"/>
+            </a:endParaRPr>
           </a:p>
         </p:txBody>
       </p:sp>
@@ -5310,7 +5856,7 @@
 </file>
 
 <file path=ppt/slides/slide6.xml><?xml version="1.0" encoding="utf-8"?>
-<p:sld xmlns:p="http://schemas.openxmlformats.org/presentationml/2006/main" xmlns:a="http://schemas.openxmlformats.org/drawingml/2006/main" xmlns:r="http://schemas.openxmlformats.org/officeDocument/2006/relationships">
+<p:sld xmlns:a="http://schemas.openxmlformats.org/drawingml/2006/main" xmlns:r="http://schemas.openxmlformats.org/officeDocument/2006/relationships" xmlns:p="http://schemas.openxmlformats.org/presentationml/2006/main">
   <p:cSld>
     <p:spTree>
       <p:nvGrpSpPr>
@@ -5328,12 +5874,12 @@
       </p:grpSpPr>
       <p:grpSp>
         <p:nvGrpSpPr>
-          <p:cNvPr name="Group 2" id="2"/>
+          <p:cNvPr id="2" name="Group 2"/>
           <p:cNvGrpSpPr/>
           <p:nvPr/>
         </p:nvGrpSpPr>
         <p:grpSpPr>
-          <a:xfrm rot="0">
+          <a:xfrm>
             <a:off x="0" y="0"/>
             <a:ext cx="18288000" cy="10287000"/>
             <a:chOff x="0" y="0"/>
@@ -5342,12 +5888,12 @@
         </p:grpSpPr>
         <p:sp>
           <p:nvSpPr>
-            <p:cNvPr name="Freeform 3" id="3"/>
+            <p:cNvPr id="3" name="Freeform 3"/>
             <p:cNvSpPr/>
             <p:nvPr/>
           </p:nvSpPr>
           <p:spPr>
-            <a:xfrm flipH="false" flipV="false" rot="0">
+            <a:xfrm>
               <a:off x="0" y="0"/>
               <a:ext cx="4816592" cy="2709333"/>
             </a:xfrm>
@@ -5356,9 +5902,9 @@
               <a:gdLst/>
               <a:ahLst/>
               <a:cxnLst/>
-              <a:rect r="r" b="b" t="t" l="l"/>
+              <a:rect l="l" t="t" r="r" b="b"/>
               <a:pathLst>
-                <a:path h="2709333" w="4816592">
+                <a:path w="4816592" h="2709333">
                   <a:moveTo>
                     <a:pt x="0" y="0"/>
                   </a:moveTo>
@@ -5382,8 +5928,8 @@
         </p:sp>
         <p:sp>
           <p:nvSpPr>
-            <p:cNvPr name="TextBox 4" id="4"/>
-            <p:cNvSpPr txBox="true"/>
+            <p:cNvPr id="4" name="TextBox 4"/>
+            <p:cNvSpPr txBox="1"/>
             <p:nvPr/>
           </p:nvSpPr>
           <p:spPr>
@@ -5396,7 +5942,7 @@
             </a:prstGeom>
           </p:spPr>
           <p:txBody>
-            <a:bodyPr anchor="ctr" rtlCol="false" tIns="50800" lIns="50800" bIns="50800" rIns="50800"/>
+            <a:bodyPr lIns="50800" tIns="50800" rIns="50800" bIns="50800" rtlCol="0" anchor="ctr"/>
             <a:lstStyle/>
             <a:p>
               <a:pPr algn="ctr">
@@ -5407,18 +5953,19 @@
                   <a:spcPct val="0"/>
                 </a:spcBef>
               </a:pPr>
+              <a:endParaRPr/>
             </a:p>
           </p:txBody>
         </p:sp>
       </p:grpSp>
       <p:grpSp>
         <p:nvGrpSpPr>
-          <p:cNvPr name="Group 5" id="5"/>
+          <p:cNvPr id="5" name="Group 5"/>
           <p:cNvGrpSpPr/>
           <p:nvPr/>
         </p:nvGrpSpPr>
         <p:grpSpPr>
-          <a:xfrm rot="0">
+          <a:xfrm>
             <a:off x="3455709" y="4815659"/>
             <a:ext cx="11148357" cy="3962906"/>
             <a:chOff x="0" y="0"/>
@@ -5427,12 +5974,12 @@
         </p:grpSpPr>
         <p:sp>
           <p:nvSpPr>
-            <p:cNvPr name="Freeform 6" id="6"/>
+            <p:cNvPr id="6" name="Freeform 6"/>
             <p:cNvSpPr/>
             <p:nvPr/>
           </p:nvSpPr>
           <p:spPr>
-            <a:xfrm flipH="false" flipV="false" rot="0">
+            <a:xfrm>
               <a:off x="0" y="0"/>
               <a:ext cx="2936193" cy="1043728"/>
             </a:xfrm>
@@ -5441,9 +5988,9 @@
               <a:gdLst/>
               <a:ahLst/>
               <a:cxnLst/>
-              <a:rect r="r" b="b" t="t" l="l"/>
+              <a:rect l="l" t="t" r="r" b="b"/>
               <a:pathLst>
-                <a:path h="1043728" w="2936193">
+                <a:path w="2936193" h="1043728">
                   <a:moveTo>
                     <a:pt x="0" y="0"/>
                   </a:moveTo>
@@ -5467,8 +6014,8 @@
         </p:sp>
         <p:sp>
           <p:nvSpPr>
-            <p:cNvPr name="TextBox 7" id="7"/>
-            <p:cNvSpPr txBox="true"/>
+            <p:cNvPr id="7" name="TextBox 7"/>
+            <p:cNvSpPr txBox="1"/>
             <p:nvPr/>
           </p:nvSpPr>
           <p:spPr>
@@ -5481,7 +6028,7 @@
             </a:prstGeom>
           </p:spPr>
           <p:txBody>
-            <a:bodyPr anchor="ctr" rtlCol="false" tIns="50800" lIns="50800" bIns="50800" rIns="50800"/>
+            <a:bodyPr lIns="50800" tIns="50800" rIns="50800" bIns="50800" rtlCol="0" anchor="ctr"/>
             <a:lstStyle/>
             <a:p>
               <a:pPr algn="ctr">
@@ -5492,18 +6039,19 @@
                   <a:spcPct val="0"/>
                 </a:spcBef>
               </a:pPr>
+              <a:endParaRPr/>
             </a:p>
           </p:txBody>
         </p:sp>
       </p:grpSp>
       <p:grpSp>
         <p:nvGrpSpPr>
-          <p:cNvPr name="Group 8" id="8"/>
+          <p:cNvPr id="8" name="Group 8"/>
           <p:cNvGrpSpPr/>
           <p:nvPr/>
         </p:nvGrpSpPr>
         <p:grpSpPr>
-          <a:xfrm rot="0">
+          <a:xfrm>
             <a:off x="4955963" y="3569840"/>
             <a:ext cx="8376075" cy="1245819"/>
             <a:chOff x="0" y="0"/>
@@ -5512,12 +6060,12 @@
         </p:grpSpPr>
         <p:sp>
           <p:nvSpPr>
-            <p:cNvPr name="Freeform 9" id="9"/>
+            <p:cNvPr id="9" name="Freeform 9"/>
             <p:cNvSpPr/>
             <p:nvPr/>
           </p:nvSpPr>
           <p:spPr>
-            <a:xfrm flipH="false" flipV="false" rot="0">
+            <a:xfrm>
               <a:off x="0" y="0"/>
               <a:ext cx="2206044" cy="328117"/>
             </a:xfrm>
@@ -5526,9 +6074,9 @@
               <a:gdLst/>
               <a:ahLst/>
               <a:cxnLst/>
-              <a:rect r="r" b="b" t="t" l="l"/>
+              <a:rect l="l" t="t" r="r" b="b"/>
               <a:pathLst>
-                <a:path h="328117" w="2206044">
+                <a:path w="2206044" h="328117">
                   <a:moveTo>
                     <a:pt x="0" y="0"/>
                   </a:moveTo>
@@ -5552,8 +6100,8 @@
         </p:sp>
         <p:sp>
           <p:nvSpPr>
-            <p:cNvPr name="TextBox 10" id="10"/>
-            <p:cNvSpPr txBox="true"/>
+            <p:cNvPr id="10" name="TextBox 10"/>
+            <p:cNvSpPr txBox="1"/>
             <p:nvPr/>
           </p:nvSpPr>
           <p:spPr>
@@ -5566,7 +6114,7 @@
             </a:prstGeom>
           </p:spPr>
           <p:txBody>
-            <a:bodyPr anchor="ctr" rtlCol="false" tIns="50800" lIns="50800" bIns="50800" rIns="50800"/>
+            <a:bodyPr lIns="50800" tIns="50800" rIns="50800" bIns="50800" rtlCol="0" anchor="ctr"/>
             <a:lstStyle/>
             <a:p>
               <a:pPr algn="ctr">
@@ -5577,18 +6125,19 @@
                   <a:spcPct val="0"/>
                 </a:spcBef>
               </a:pPr>
+              <a:endParaRPr/>
             </a:p>
           </p:txBody>
         </p:sp>
       </p:grpSp>
       <p:grpSp>
         <p:nvGrpSpPr>
-          <p:cNvPr name="Group 11" id="11"/>
+          <p:cNvPr id="11" name="Group 11"/>
           <p:cNvGrpSpPr/>
           <p:nvPr/>
         </p:nvGrpSpPr>
         <p:grpSpPr>
-          <a:xfrm rot="0">
+          <a:xfrm>
             <a:off x="6895606" y="7436331"/>
             <a:ext cx="4024462" cy="924058"/>
             <a:chOff x="0" y="0"/>
@@ -5597,12 +6146,12 @@
         </p:grpSpPr>
         <p:sp>
           <p:nvSpPr>
-            <p:cNvPr name="Freeform 12" id="12"/>
+            <p:cNvPr id="12" name="Freeform 12"/>
             <p:cNvSpPr/>
             <p:nvPr/>
           </p:nvSpPr>
           <p:spPr>
-            <a:xfrm flipH="false" flipV="false" rot="0">
+            <a:xfrm>
               <a:off x="0" y="0"/>
               <a:ext cx="1059941" cy="243373"/>
             </a:xfrm>
@@ -5611,9 +6160,9 @@
               <a:gdLst/>
               <a:ahLst/>
               <a:cxnLst/>
-              <a:rect r="r" b="b" t="t" l="l"/>
+              <a:rect l="l" t="t" r="r" b="b"/>
               <a:pathLst>
-                <a:path h="243373" w="1059941">
+                <a:path w="1059941" h="243373">
                   <a:moveTo>
                     <a:pt x="98109" y="0"/>
                   </a:moveTo>
@@ -5670,8 +6219,8 @@
         </p:sp>
         <p:sp>
           <p:nvSpPr>
-            <p:cNvPr name="TextBox 13" id="13"/>
-            <p:cNvSpPr txBox="true"/>
+            <p:cNvPr id="13" name="TextBox 13"/>
+            <p:cNvSpPr txBox="1"/>
             <p:nvPr/>
           </p:nvSpPr>
           <p:spPr>
@@ -5684,7 +6233,7 @@
             </a:prstGeom>
           </p:spPr>
           <p:txBody>
-            <a:bodyPr anchor="ctr" rtlCol="false" tIns="50800" lIns="50800" bIns="50800" rIns="50800"/>
+            <a:bodyPr lIns="50800" tIns="50800" rIns="50800" bIns="50800" rtlCol="0" anchor="ctr"/>
             <a:lstStyle/>
             <a:p>
               <a:pPr algn="ctr">
@@ -5692,18 +6241,19 @@
                   <a:spcPts val="2659"/>
                 </a:lnSpc>
               </a:pPr>
+              <a:endParaRPr/>
             </a:p>
           </p:txBody>
         </p:sp>
       </p:grpSp>
       <p:sp>
         <p:nvSpPr>
-          <p:cNvPr name="Freeform 14" id="14"/>
+          <p:cNvPr id="14" name="Freeform 14"/>
           <p:cNvSpPr/>
           <p:nvPr/>
         </p:nvSpPr>
         <p:spPr>
-          <a:xfrm flipH="false" flipV="false" rot="0">
+          <a:xfrm>
             <a:off x="1427351" y="1028700"/>
             <a:ext cx="15433297" cy="9028479"/>
           </a:xfrm>
@@ -5712,9 +6262,9 @@
             <a:gdLst/>
             <a:ahLst/>
             <a:cxnLst/>
-            <a:rect r="r" b="b" t="t" l="l"/>
+            <a:rect l="l" t="t" r="r" b="b"/>
             <a:pathLst>
-              <a:path h="9028479" w="15433297">
+              <a:path w="15433297" h="9028479">
                 <a:moveTo>
                   <a:pt x="0" y="0"/>
                 </a:moveTo>
@@ -5738,24 +6288,24 @@
             <a:blip r:embed="rId2">
               <a:extLst>
                 <a:ext uri="{96DAC541-7B7A-43D3-8B79-37D633B846F1}">
-                  <asvg:svgBlip xmlns:asvg="http://schemas.microsoft.com/office/drawing/2016/SVG/main" r:embed="rId3"/>
+                  <asvg:svgBlip xmlns="" xmlns:asvg="http://schemas.microsoft.com/office/drawing/2016/SVG/main" r:embed="rId3"/>
                 </a:ext>
               </a:extLst>
             </a:blip>
             <a:stretch>
-              <a:fillRect l="0" t="0" r="0" b="0"/>
+              <a:fillRect/>
             </a:stretch>
           </a:blipFill>
         </p:spPr>
       </p:sp>
       <p:sp>
         <p:nvSpPr>
-          <p:cNvPr name="TextBox 15" id="15"/>
-          <p:cNvSpPr txBox="true"/>
+          <p:cNvPr id="15" name="TextBox 15"/>
+          <p:cNvSpPr txBox="1"/>
           <p:nvPr/>
         </p:nvSpPr>
         <p:spPr>
-          <a:xfrm rot="0">
+          <a:xfrm>
             <a:off x="3012923" y="4207598"/>
             <a:ext cx="12262155" cy="2403983"/>
           </a:xfrm>
@@ -5764,7 +6314,7 @@
           </a:prstGeom>
         </p:spPr>
         <p:txBody>
-          <a:bodyPr anchor="t" rtlCol="false" tIns="0" lIns="0" bIns="0" rIns="0">
+          <a:bodyPr lIns="0" tIns="0" rIns="0" bIns="0" rtlCol="0" anchor="t">
             <a:spAutoFit/>
           </a:bodyPr>
           <a:lstStyle/>
